--- a/listas-cases-empresas/santander-int/Apresentação1.pptx
+++ b/listas-cases-empresas/santander-int/Apresentação1.pptx
@@ -5,8 +5,12 @@
     <p:sldMasterId id="2147483648" r:id="rId1"/>
   </p:sldMasterIdLst>
   <p:sldIdLst>
-    <p:sldId id="256" r:id="rId2"/>
-    <p:sldId id="257" r:id="rId3"/>
+    <p:sldId id="258" r:id="rId2"/>
+    <p:sldId id="256" r:id="rId3"/>
+    <p:sldId id="261" r:id="rId4"/>
+    <p:sldId id="257" r:id="rId5"/>
+    <p:sldId id="260" r:id="rId6"/>
+    <p:sldId id="259" r:id="rId7"/>
   </p:sldIdLst>
   <p:sldSz cx="12192000" cy="6858000"/>
   <p:notesSz cx="6858000" cy="9144000"/>
@@ -105,6 +109,11 @@
       </a:defRPr>
     </a:lvl9pPr>
   </p:defaultTextStyle>
+  <p:extLst>
+    <p:ext uri="{EFAFB233-063F-42B5-8137-9DF3F51BA10A}">
+      <p15:sldGuideLst xmlns:p15="http://schemas.microsoft.com/office/powerpoint/2012/main"/>
+    </p:ext>
+  </p:extLst>
 </p:presentation>
 </file>
 
@@ -3310,7 +3319,13 @@
   <p:cSld>
     <p:spTree>
       <p:nvGrpSpPr>
-        <p:cNvPr id="1" name=""/>
+        <p:cNvPr id="1" name="">
+          <a:extLst>
+            <a:ext uri="{FF2B5EF4-FFF2-40B4-BE49-F238E27FC236}">
+              <a16:creationId xmlns:a16="http://schemas.microsoft.com/office/drawing/2014/main" id="{EBB3D88F-3B3E-C0CB-283E-80E6FD8A9FE6}"/>
+            </a:ext>
+          </a:extLst>
+        </p:cNvPr>
         <p:cNvGrpSpPr/>
         <p:nvPr/>
       </p:nvGrpSpPr>
@@ -3324,442 +3339,30 @@
       </p:grpSpPr>
       <p:sp>
         <p:nvSpPr>
-          <p:cNvPr id="4" name="CaixaDeTexto 3">
-            <a:extLst>
-              <a:ext uri="{FF2B5EF4-FFF2-40B4-BE49-F238E27FC236}">
-                <a16:creationId xmlns:a16="http://schemas.microsoft.com/office/drawing/2014/main" id="{8ECDE1DE-18E8-48F5-F7D3-27DEDA79785A}"/>
-              </a:ext>
-            </a:extLst>
-          </p:cNvPr>
-          <p:cNvSpPr txBox="1"/>
+          <p:cNvPr id="2" name="Título 1">
+            <a:extLst>
+              <a:ext uri="{FF2B5EF4-FFF2-40B4-BE49-F238E27FC236}">
+                <a16:creationId xmlns:a16="http://schemas.microsoft.com/office/drawing/2014/main" id="{CBD7215B-4836-EC6A-73CF-350B2A94D73F}"/>
+              </a:ext>
+            </a:extLst>
+          </p:cNvPr>
+          <p:cNvSpPr txBox="1">
+            <a:spLocks/>
+          </p:cNvSpPr>
           <p:nvPr/>
         </p:nvSpPr>
         <p:spPr>
           <a:xfrm>
-            <a:off x="486846" y="2962125"/>
-            <a:ext cx="2976465" cy="369332"/>
+            <a:off x="269033" y="149071"/>
+            <a:ext cx="10515600" cy="5113394"/>
           </a:xfrm>
           <a:prstGeom prst="rect">
             <a:avLst/>
           </a:prstGeom>
-          <a:noFill/>
-          <a:ln>
-            <a:solidFill>
-              <a:schemeClr val="tx1"/>
-            </a:solidFill>
-          </a:ln>
-        </p:spPr>
-        <p:txBody>
-          <a:bodyPr wrap="square" rtlCol="0">
-            <a:spAutoFit/>
-          </a:bodyPr>
-          <a:lstStyle/>
-          <a:p>
-            <a:r>
-              <a:rPr lang="pt-BR" dirty="0"/>
-              <a:t>Arquivos de Mídia</a:t>
-            </a:r>
-          </a:p>
-        </p:txBody>
-      </p:sp>
-      <p:sp>
-        <p:nvSpPr>
-          <p:cNvPr id="6" name="Retângulo 5">
-            <a:extLst>
-              <a:ext uri="{FF2B5EF4-FFF2-40B4-BE49-F238E27FC236}">
-                <a16:creationId xmlns:a16="http://schemas.microsoft.com/office/drawing/2014/main" id="{9C2491B3-4722-4618-C058-AC414B5C3544}"/>
-              </a:ext>
-            </a:extLst>
-          </p:cNvPr>
-          <p:cNvSpPr/>
-          <p:nvPr/>
-        </p:nvSpPr>
-        <p:spPr>
-          <a:xfrm>
-            <a:off x="270588" y="1184988"/>
-            <a:ext cx="11588620" cy="5281126"/>
-          </a:xfrm>
-          <a:prstGeom prst="rect">
-            <a:avLst/>
-          </a:prstGeom>
-          <a:noFill/>
-          <a:ln>
-            <a:prstDash val="dash"/>
-          </a:ln>
-        </p:spPr>
-        <p:style>
-          <a:lnRef idx="2">
-            <a:schemeClr val="accent1">
-              <a:shade val="15000"/>
-            </a:schemeClr>
-          </a:lnRef>
-          <a:fillRef idx="1">
-            <a:schemeClr val="accent1"/>
-          </a:fillRef>
-          <a:effectRef idx="0">
-            <a:schemeClr val="accent1"/>
-          </a:effectRef>
-          <a:fontRef idx="minor">
-            <a:schemeClr val="lt1"/>
-          </a:fontRef>
-        </p:style>
-        <p:txBody>
-          <a:bodyPr rtlCol="0" anchor="ctr"/>
-          <a:lstStyle/>
-          <a:p>
-            <a:pPr algn="ctr"/>
-            <a:endParaRPr lang="pt-BR"/>
-          </a:p>
-        </p:txBody>
-      </p:sp>
-      <p:sp>
-        <p:nvSpPr>
-          <p:cNvPr id="7" name="CaixaDeTexto 6">
-            <a:extLst>
-              <a:ext uri="{FF2B5EF4-FFF2-40B4-BE49-F238E27FC236}">
-                <a16:creationId xmlns:a16="http://schemas.microsoft.com/office/drawing/2014/main" id="{2D608B7B-0BE1-0F8F-387F-9CC4F2BC10B2}"/>
-              </a:ext>
-            </a:extLst>
-          </p:cNvPr>
-          <p:cNvSpPr txBox="1"/>
-          <p:nvPr/>
-        </p:nvSpPr>
-        <p:spPr>
-          <a:xfrm>
-            <a:off x="6064898" y="1569444"/>
-            <a:ext cx="2183363" cy="369332"/>
-          </a:xfrm>
-          <a:prstGeom prst="rect">
-            <a:avLst/>
-          </a:prstGeom>
-          <a:noFill/>
-        </p:spPr>
-        <p:txBody>
-          <a:bodyPr wrap="square" rtlCol="0">
-            <a:spAutoFit/>
-          </a:bodyPr>
-          <a:lstStyle/>
-          <a:p>
-            <a:pPr algn="ctr"/>
-            <a:r>
-              <a:rPr lang="pt-BR" b="1" dirty="0"/>
-              <a:t>Data Lake</a:t>
-            </a:r>
-          </a:p>
-        </p:txBody>
-      </p:sp>
-      <p:sp>
-        <p:nvSpPr>
-          <p:cNvPr id="8" name="Seta: para a Direita 7">
-            <a:extLst>
-              <a:ext uri="{FF2B5EF4-FFF2-40B4-BE49-F238E27FC236}">
-                <a16:creationId xmlns:a16="http://schemas.microsoft.com/office/drawing/2014/main" id="{1A576CB1-3F83-BF55-A644-95D194465692}"/>
-              </a:ext>
-            </a:extLst>
-          </p:cNvPr>
-          <p:cNvSpPr/>
-          <p:nvPr/>
-        </p:nvSpPr>
-        <p:spPr>
-          <a:xfrm>
-            <a:off x="3755377" y="2607906"/>
-            <a:ext cx="1604865" cy="821094"/>
-          </a:xfrm>
-          <a:prstGeom prst="rightArrow">
-            <a:avLst/>
-          </a:prstGeom>
-        </p:spPr>
-        <p:style>
-          <a:lnRef idx="2">
-            <a:schemeClr val="accent1">
-              <a:shade val="15000"/>
-            </a:schemeClr>
-          </a:lnRef>
-          <a:fillRef idx="1">
-            <a:schemeClr val="accent1"/>
-          </a:fillRef>
-          <a:effectRef idx="0">
-            <a:schemeClr val="accent1"/>
-          </a:effectRef>
-          <a:fontRef idx="minor">
-            <a:schemeClr val="lt1"/>
-          </a:fontRef>
-        </p:style>
-        <p:txBody>
-          <a:bodyPr rtlCol="0" anchor="ctr"/>
-          <a:lstStyle/>
-          <a:p>
-            <a:pPr algn="ctr"/>
-            <a:r>
-              <a:rPr lang="pt-BR" b="1" dirty="0" err="1"/>
-              <a:t>API’s</a:t>
-            </a:r>
-            <a:endParaRPr lang="pt-BR" b="1" dirty="0"/>
-          </a:p>
-        </p:txBody>
-      </p:sp>
-      <p:pic>
-        <p:nvPicPr>
-          <p:cNvPr id="11" name="Imagem 10" descr="Ícone&#10;&#10;Descrição gerada automaticamente">
-            <a:extLst>
-              <a:ext uri="{FF2B5EF4-FFF2-40B4-BE49-F238E27FC236}">
-                <a16:creationId xmlns:a16="http://schemas.microsoft.com/office/drawing/2014/main" id="{D52ED665-A39A-38C7-2A1D-FBEE8ECA26BE}"/>
-              </a:ext>
-            </a:extLst>
-          </p:cNvPr>
-          <p:cNvPicPr>
-            <a:picLocks noChangeAspect="1"/>
-          </p:cNvPicPr>
-          <p:nvPr/>
-        </p:nvPicPr>
-        <p:blipFill>
-          <a:blip r:embed="rId2">
-            <a:extLst>
-              <a:ext uri="{28A0092B-C50C-407E-A947-70E740481C1C}">
-                <a14:useLocalDpi xmlns:a14="http://schemas.microsoft.com/office/drawing/2010/main" val="0"/>
-              </a:ext>
-            </a:extLst>
-          </a:blip>
-          <a:stretch>
-            <a:fillRect/>
-          </a:stretch>
-        </p:blipFill>
-        <p:spPr>
-          <a:xfrm>
-            <a:off x="2480487" y="1968981"/>
-            <a:ext cx="985855" cy="985855"/>
-          </a:xfrm>
-          <a:prstGeom prst="rect">
-            <a:avLst/>
-          </a:prstGeom>
-        </p:spPr>
-      </p:pic>
-      <p:sp>
-        <p:nvSpPr>
-          <p:cNvPr id="12" name="Fluxograma: Disco Magnético 11">
-            <a:extLst>
-              <a:ext uri="{FF2B5EF4-FFF2-40B4-BE49-F238E27FC236}">
-                <a16:creationId xmlns:a16="http://schemas.microsoft.com/office/drawing/2014/main" id="{E5B1A46D-7071-5929-4D73-5787286577F9}"/>
-              </a:ext>
-            </a:extLst>
-          </p:cNvPr>
-          <p:cNvSpPr/>
-          <p:nvPr/>
-        </p:nvSpPr>
-        <p:spPr>
-          <a:xfrm>
-            <a:off x="5649275" y="2086869"/>
-            <a:ext cx="2799184" cy="3377682"/>
-          </a:xfrm>
-          <a:prstGeom prst="flowChartMagneticDisk">
-            <a:avLst/>
-          </a:prstGeom>
-        </p:spPr>
-        <p:style>
-          <a:lnRef idx="2">
-            <a:schemeClr val="accent1">
-              <a:shade val="15000"/>
-            </a:schemeClr>
-          </a:lnRef>
-          <a:fillRef idx="1">
-            <a:schemeClr val="accent1"/>
-          </a:fillRef>
-          <a:effectRef idx="0">
-            <a:schemeClr val="accent1"/>
-          </a:effectRef>
-          <a:fontRef idx="minor">
-            <a:schemeClr val="lt1"/>
-          </a:fontRef>
-        </p:style>
-        <p:txBody>
-          <a:bodyPr rtlCol="0" anchor="ctr"/>
-          <a:lstStyle/>
-          <a:p>
-            <a:pPr algn="ctr"/>
-            <a:endParaRPr lang="pt-BR"/>
-          </a:p>
-        </p:txBody>
-      </p:sp>
-      <p:sp>
-        <p:nvSpPr>
-          <p:cNvPr id="13" name="CaixaDeTexto 12">
-            <a:extLst>
-              <a:ext uri="{FF2B5EF4-FFF2-40B4-BE49-F238E27FC236}">
-                <a16:creationId xmlns:a16="http://schemas.microsoft.com/office/drawing/2014/main" id="{220C54A3-D798-37D8-CF0D-B615F05F8C0F}"/>
-              </a:ext>
-            </a:extLst>
-          </p:cNvPr>
-          <p:cNvSpPr txBox="1"/>
-          <p:nvPr/>
-        </p:nvSpPr>
-        <p:spPr>
-          <a:xfrm>
-            <a:off x="434711" y="2092577"/>
-            <a:ext cx="2183363" cy="369332"/>
-          </a:xfrm>
-          <a:prstGeom prst="rect">
-            <a:avLst/>
-          </a:prstGeom>
-          <a:noFill/>
-        </p:spPr>
-        <p:txBody>
-          <a:bodyPr wrap="square" rtlCol="0">
-            <a:spAutoFit/>
-          </a:bodyPr>
-          <a:lstStyle/>
-          <a:p>
-            <a:r>
-              <a:rPr lang="pt-BR" b="1" dirty="0"/>
-              <a:t>Origem de Dados</a:t>
-            </a:r>
-          </a:p>
-        </p:txBody>
-      </p:sp>
-      <p:pic>
-        <p:nvPicPr>
-          <p:cNvPr id="15" name="Imagem 14" descr="Ícone&#10;&#10;Descrição gerada automaticamente">
-            <a:extLst>
-              <a:ext uri="{FF2B5EF4-FFF2-40B4-BE49-F238E27FC236}">
-                <a16:creationId xmlns:a16="http://schemas.microsoft.com/office/drawing/2014/main" id="{80191AD5-4B5A-2B8E-B62C-471F3170ADE9}"/>
-              </a:ext>
-            </a:extLst>
-          </p:cNvPr>
-          <p:cNvPicPr>
-            <a:picLocks noChangeAspect="1"/>
-          </p:cNvPicPr>
-          <p:nvPr/>
-        </p:nvPicPr>
-        <p:blipFill>
-          <a:blip r:embed="rId3">
-            <a:extLst>
-              <a:ext uri="{28A0092B-C50C-407E-A947-70E740481C1C}">
-                <a14:useLocalDpi xmlns:a14="http://schemas.microsoft.com/office/drawing/2010/main" val="0"/>
-              </a:ext>
-            </a:extLst>
-          </a:blip>
-          <a:stretch>
-            <a:fillRect/>
-          </a:stretch>
-        </p:blipFill>
-        <p:spPr>
-          <a:xfrm>
-            <a:off x="602425" y="3621718"/>
-            <a:ext cx="1056391" cy="1056391"/>
-          </a:xfrm>
-          <a:prstGeom prst="rect">
-            <a:avLst/>
-          </a:prstGeom>
-        </p:spPr>
-      </p:pic>
-      <p:pic>
-        <p:nvPicPr>
-          <p:cNvPr id="17" name="Imagem 16" descr="Ícone&#10;&#10;Descrição gerada automaticamente">
-            <a:extLst>
-              <a:ext uri="{FF2B5EF4-FFF2-40B4-BE49-F238E27FC236}">
-                <a16:creationId xmlns:a16="http://schemas.microsoft.com/office/drawing/2014/main" id="{043AA566-DB33-19F8-593D-26FC4F1F6510}"/>
-              </a:ext>
-            </a:extLst>
-          </p:cNvPr>
-          <p:cNvPicPr>
-            <a:picLocks noChangeAspect="1"/>
-          </p:cNvPicPr>
-          <p:nvPr/>
-        </p:nvPicPr>
-        <p:blipFill>
-          <a:blip r:embed="rId4">
-            <a:extLst>
-              <a:ext uri="{28A0092B-C50C-407E-A947-70E740481C1C}">
-                <a14:useLocalDpi xmlns:a14="http://schemas.microsoft.com/office/drawing/2010/main" val="0"/>
-              </a:ext>
-            </a:extLst>
-          </a:blip>
-          <a:stretch>
-            <a:fillRect/>
-          </a:stretch>
-        </p:blipFill>
-        <p:spPr>
-          <a:xfrm>
-            <a:off x="1791611" y="3621717"/>
-            <a:ext cx="1056391" cy="1056391"/>
-          </a:xfrm>
-          <a:prstGeom prst="rect">
-            <a:avLst/>
-          </a:prstGeom>
-        </p:spPr>
-      </p:pic>
-      <p:sp>
-        <p:nvSpPr>
-          <p:cNvPr id="18" name="Retângulo 17">
-            <a:extLst>
-              <a:ext uri="{FF2B5EF4-FFF2-40B4-BE49-F238E27FC236}">
-                <a16:creationId xmlns:a16="http://schemas.microsoft.com/office/drawing/2014/main" id="{133E5FE8-4897-96D2-6CFB-DBEF7CA9BDD6}"/>
-              </a:ext>
-            </a:extLst>
-          </p:cNvPr>
-          <p:cNvSpPr/>
-          <p:nvPr/>
-        </p:nvSpPr>
-        <p:spPr>
-          <a:xfrm>
-            <a:off x="434712" y="1968981"/>
-            <a:ext cx="3147526" cy="3461216"/>
-          </a:xfrm>
-          <a:prstGeom prst="rect">
-            <a:avLst/>
-          </a:prstGeom>
-          <a:noFill/>
-        </p:spPr>
-        <p:style>
-          <a:lnRef idx="2">
-            <a:schemeClr val="accent1">
-              <a:shade val="15000"/>
-            </a:schemeClr>
-          </a:lnRef>
-          <a:fillRef idx="1">
-            <a:schemeClr val="accent1"/>
-          </a:fillRef>
-          <a:effectRef idx="0">
-            <a:schemeClr val="accent1"/>
-          </a:effectRef>
-          <a:fontRef idx="minor">
-            <a:schemeClr val="lt1"/>
-          </a:fontRef>
-        </p:style>
-        <p:txBody>
-          <a:bodyPr rtlCol="0" anchor="ctr"/>
-          <a:lstStyle/>
-          <a:p>
-            <a:pPr algn="ctr"/>
-            <a:endParaRPr lang="pt-BR"/>
-          </a:p>
-        </p:txBody>
-      </p:sp>
-      <p:sp>
-        <p:nvSpPr>
-          <p:cNvPr id="21" name="Título 1">
-            <a:extLst>
-              <a:ext uri="{FF2B5EF4-FFF2-40B4-BE49-F238E27FC236}">
-                <a16:creationId xmlns:a16="http://schemas.microsoft.com/office/drawing/2014/main" id="{7AFAE1FB-C1A0-A5E5-9FAF-F89E7567D1B6}"/>
-              </a:ext>
-            </a:extLst>
-          </p:cNvPr>
-          <p:cNvSpPr txBox="1">
-            <a:spLocks/>
-          </p:cNvSpPr>
-          <p:nvPr/>
-        </p:nvSpPr>
-        <p:spPr>
-          <a:xfrm>
-            <a:off x="269033" y="149071"/>
-            <a:ext cx="10515600" cy="887825"/>
-          </a:xfrm>
-          <a:prstGeom prst="rect">
-            <a:avLst/>
-          </a:prstGeom>
         </p:spPr>
         <p:txBody>
           <a:bodyPr vert="horz" lIns="91440" tIns="45720" rIns="91440" bIns="45720" rtlCol="0" anchor="b">
-            <a:normAutofit/>
+            <a:normAutofit fontScale="77500" lnSpcReduction="20000"/>
           </a:bodyPr>
           <a:lstStyle>
             <a:lvl1pPr algn="ctr" defTabSz="914400" rtl="0" eaLnBrk="1" latinLnBrk="0" hangingPunct="1">
@@ -3784,7 +3387,69 @@
             <a:pPr algn="l"/>
             <a:r>
               <a:rPr lang="pt-BR" sz="3600" dirty="0"/>
-              <a:t>Overview Arquitetura</a:t>
+              <a:t>Foi pedido para você montar uma arquitetura de um projeto novo da área. Este projeto consiste na transcrição de fala presente em arquivos de áudios e vídeos para finalidades de acessibilidade do consumo de tais mídias. Para torná-lo possível, é necessário pensar, inicialmente, na </a:t>
+            </a:r>
+            <a:r>
+              <a:rPr lang="pt-BR" sz="3600" b="1" dirty="0"/>
+              <a:t>extração</a:t>
+            </a:r>
+            <a:r>
+              <a:rPr lang="pt-BR" sz="3600" dirty="0"/>
+              <a:t> desses arquivos de fontes diversas, depois, não necessariamente nessa ordem (fica a seu critério), nas etapas de </a:t>
+            </a:r>
+            <a:r>
+              <a:rPr lang="pt-BR" sz="3600" b="1" dirty="0"/>
+              <a:t>armazenamento</a:t>
+            </a:r>
+            <a:r>
+              <a:rPr lang="pt-BR" sz="3600" dirty="0"/>
+              <a:t>, etapas de </a:t>
+            </a:r>
+            <a:r>
+              <a:rPr lang="pt-BR" sz="3600" b="1" dirty="0"/>
+              <a:t>tratamento</a:t>
+            </a:r>
+            <a:r>
+              <a:rPr lang="pt-BR" sz="3600" dirty="0"/>
+              <a:t>, etapas de </a:t>
+            </a:r>
+            <a:r>
+              <a:rPr lang="pt-BR" sz="3600" b="1" dirty="0"/>
+              <a:t>transcrição</a:t>
+            </a:r>
+            <a:r>
+              <a:rPr lang="pt-BR" sz="3600" dirty="0"/>
+              <a:t> e, por fim, na </a:t>
+            </a:r>
+            <a:r>
+              <a:rPr lang="pt-BR" sz="3600" b="1" dirty="0"/>
+              <a:t>disponibilização</a:t>
+            </a:r>
+            <a:r>
+              <a:rPr lang="pt-BR" sz="3600" dirty="0"/>
+              <a:t> da informação transcrita para o usuário final.</a:t>
+            </a:r>
+          </a:p>
+          <a:p>
+            <a:pPr algn="l"/>
+            <a:endParaRPr lang="pt-BR" sz="3600" dirty="0"/>
+          </a:p>
+          <a:p>
+            <a:pPr algn="l"/>
+            <a:r>
+              <a:rPr lang="pt-BR" sz="3600" dirty="0"/>
+              <a:t>As fontes de dados que alimentarão a pipeline serão de produtores de mídia diversos que divulgarão seus arquivos em seus próprios servidores, os quais você terá acesso para realizar a transferência desses arquivos.</a:t>
+            </a:r>
+          </a:p>
+          <a:p>
+            <a:pPr algn="l"/>
+            <a:endParaRPr lang="pt-BR" sz="3600" dirty="0"/>
+          </a:p>
+          <a:p>
+            <a:pPr algn="l"/>
+            <a:r>
+              <a:rPr lang="pt-BR" sz="3600" dirty="0"/>
+              <a:t>Desenhe a arquitetura com os passos indicados (e outros que enxergar conveniente) e responda as seguintes perguntas acerca do desenho.</a:t>
             </a:r>
           </a:p>
         </p:txBody>
@@ -3792,7 +3457,7 @@
     </p:spTree>
     <p:extLst>
       <p:ext uri="{BB962C8B-B14F-4D97-AF65-F5344CB8AC3E}">
-        <p14:creationId xmlns:p14="http://schemas.microsoft.com/office/powerpoint/2010/main" val="746624978"/>
+        <p14:creationId xmlns:p14="http://schemas.microsoft.com/office/powerpoint/2010/main" val="794775244"/>
       </p:ext>
     </p:extLst>
   </p:cSld>
@@ -3819,10 +3484,2376 @@
           <a:chExt cx="0" cy="0"/>
         </a:xfrm>
       </p:grpSpPr>
+      <p:sp>
+        <p:nvSpPr>
+          <p:cNvPr id="6" name="Retângulo 5">
+            <a:extLst>
+              <a:ext uri="{FF2B5EF4-FFF2-40B4-BE49-F238E27FC236}">
+                <a16:creationId xmlns:a16="http://schemas.microsoft.com/office/drawing/2014/main" id="{9C2491B3-4722-4618-C058-AC414B5C3544}"/>
+              </a:ext>
+            </a:extLst>
+          </p:cNvPr>
+          <p:cNvSpPr/>
+          <p:nvPr/>
+        </p:nvSpPr>
+        <p:spPr>
+          <a:xfrm>
+            <a:off x="270588" y="1184988"/>
+            <a:ext cx="11588620" cy="5281126"/>
+          </a:xfrm>
+          <a:prstGeom prst="rect">
+            <a:avLst/>
+          </a:prstGeom>
+          <a:noFill/>
+          <a:ln>
+            <a:prstDash val="dash"/>
+          </a:ln>
+        </p:spPr>
+        <p:style>
+          <a:lnRef idx="2">
+            <a:schemeClr val="accent1">
+              <a:shade val="15000"/>
+            </a:schemeClr>
+          </a:lnRef>
+          <a:fillRef idx="1">
+            <a:schemeClr val="accent1"/>
+          </a:fillRef>
+          <a:effectRef idx="0">
+            <a:schemeClr val="accent1"/>
+          </a:effectRef>
+          <a:fontRef idx="minor">
+            <a:schemeClr val="lt1"/>
+          </a:fontRef>
+        </p:style>
+        <p:txBody>
+          <a:bodyPr rtlCol="0" anchor="ctr"/>
+          <a:lstStyle/>
+          <a:p>
+            <a:pPr algn="ctr"/>
+            <a:endParaRPr lang="pt-BR"/>
+          </a:p>
+        </p:txBody>
+      </p:sp>
+      <p:sp>
+        <p:nvSpPr>
+          <p:cNvPr id="7" name="CaixaDeTexto 6">
+            <a:extLst>
+              <a:ext uri="{FF2B5EF4-FFF2-40B4-BE49-F238E27FC236}">
+                <a16:creationId xmlns:a16="http://schemas.microsoft.com/office/drawing/2014/main" id="{2D608B7B-0BE1-0F8F-387F-9CC4F2BC10B2}"/>
+              </a:ext>
+            </a:extLst>
+          </p:cNvPr>
+          <p:cNvSpPr txBox="1"/>
+          <p:nvPr/>
+        </p:nvSpPr>
+        <p:spPr>
+          <a:xfrm>
+            <a:off x="7426166" y="1691359"/>
+            <a:ext cx="2183363" cy="369332"/>
+          </a:xfrm>
+          <a:prstGeom prst="rect">
+            <a:avLst/>
+          </a:prstGeom>
+          <a:noFill/>
+        </p:spPr>
+        <p:txBody>
+          <a:bodyPr wrap="square" rtlCol="0">
+            <a:spAutoFit/>
+          </a:bodyPr>
+          <a:lstStyle/>
+          <a:p>
+            <a:pPr algn="ctr"/>
+            <a:r>
+              <a:rPr lang="pt-BR" b="1" dirty="0"/>
+              <a:t>Data Lake</a:t>
+            </a:r>
+          </a:p>
+        </p:txBody>
+      </p:sp>
+      <p:pic>
+        <p:nvPicPr>
+          <p:cNvPr id="11" name="Imagem 10" descr="Ícone&#10;&#10;Descrição gerada automaticamente">
+            <a:extLst>
+              <a:ext uri="{FF2B5EF4-FFF2-40B4-BE49-F238E27FC236}">
+                <a16:creationId xmlns:a16="http://schemas.microsoft.com/office/drawing/2014/main" id="{D52ED665-A39A-38C7-2A1D-FBEE8ECA26BE}"/>
+              </a:ext>
+            </a:extLst>
+          </p:cNvPr>
+          <p:cNvPicPr>
+            <a:picLocks noChangeAspect="1"/>
+          </p:cNvPicPr>
+          <p:nvPr/>
+        </p:nvPicPr>
+        <p:blipFill>
+          <a:blip r:embed="rId2">
+            <a:extLst>
+              <a:ext uri="{28A0092B-C50C-407E-A947-70E740481C1C}">
+                <a14:useLocalDpi xmlns:a14="http://schemas.microsoft.com/office/drawing/2010/main" val="0"/>
+              </a:ext>
+            </a:extLst>
+          </a:blip>
+          <a:stretch>
+            <a:fillRect/>
+          </a:stretch>
+        </p:blipFill>
+        <p:spPr>
+          <a:xfrm>
+            <a:off x="2582471" y="1567764"/>
+            <a:ext cx="985855" cy="985855"/>
+          </a:xfrm>
+          <a:prstGeom prst="rect">
+            <a:avLst/>
+          </a:prstGeom>
+        </p:spPr>
+      </p:pic>
+      <p:sp>
+        <p:nvSpPr>
+          <p:cNvPr id="12" name="Fluxograma: Disco Magnético 11">
+            <a:extLst>
+              <a:ext uri="{FF2B5EF4-FFF2-40B4-BE49-F238E27FC236}">
+                <a16:creationId xmlns:a16="http://schemas.microsoft.com/office/drawing/2014/main" id="{E5B1A46D-7071-5929-4D73-5787286577F9}"/>
+              </a:ext>
+            </a:extLst>
+          </p:cNvPr>
+          <p:cNvSpPr/>
+          <p:nvPr/>
+        </p:nvSpPr>
+        <p:spPr>
+          <a:xfrm>
+            <a:off x="5521720" y="2372772"/>
+            <a:ext cx="2183363" cy="2640254"/>
+          </a:xfrm>
+          <a:prstGeom prst="flowChartMagneticDisk">
+            <a:avLst/>
+          </a:prstGeom>
+        </p:spPr>
+        <p:style>
+          <a:lnRef idx="2">
+            <a:schemeClr val="accent1">
+              <a:shade val="15000"/>
+            </a:schemeClr>
+          </a:lnRef>
+          <a:fillRef idx="1">
+            <a:schemeClr val="accent1"/>
+          </a:fillRef>
+          <a:effectRef idx="0">
+            <a:schemeClr val="accent1"/>
+          </a:effectRef>
+          <a:fontRef idx="minor">
+            <a:schemeClr val="lt1"/>
+          </a:fontRef>
+        </p:style>
+        <p:txBody>
+          <a:bodyPr rtlCol="0" anchor="ctr"/>
+          <a:lstStyle/>
+          <a:p>
+            <a:pPr algn="ctr"/>
+            <a:endParaRPr lang="pt-BR"/>
+          </a:p>
+        </p:txBody>
+      </p:sp>
+      <p:sp>
+        <p:nvSpPr>
+          <p:cNvPr id="13" name="CaixaDeTexto 12">
+            <a:extLst>
+              <a:ext uri="{FF2B5EF4-FFF2-40B4-BE49-F238E27FC236}">
+                <a16:creationId xmlns:a16="http://schemas.microsoft.com/office/drawing/2014/main" id="{220C54A3-D798-37D8-CF0D-B615F05F8C0F}"/>
+              </a:ext>
+            </a:extLst>
+          </p:cNvPr>
+          <p:cNvSpPr txBox="1"/>
+          <p:nvPr/>
+        </p:nvSpPr>
+        <p:spPr>
+          <a:xfrm>
+            <a:off x="536695" y="1691360"/>
+            <a:ext cx="2183363" cy="369332"/>
+          </a:xfrm>
+          <a:prstGeom prst="rect">
+            <a:avLst/>
+          </a:prstGeom>
+          <a:noFill/>
+        </p:spPr>
+        <p:txBody>
+          <a:bodyPr wrap="square" rtlCol="0">
+            <a:spAutoFit/>
+          </a:bodyPr>
+          <a:lstStyle/>
+          <a:p>
+            <a:r>
+              <a:rPr lang="pt-BR" b="1" dirty="0"/>
+              <a:t>Origem de Dados</a:t>
+            </a:r>
+          </a:p>
+        </p:txBody>
+      </p:sp>
+      <p:sp>
+        <p:nvSpPr>
+          <p:cNvPr id="18" name="Retângulo 17">
+            <a:extLst>
+              <a:ext uri="{FF2B5EF4-FFF2-40B4-BE49-F238E27FC236}">
+                <a16:creationId xmlns:a16="http://schemas.microsoft.com/office/drawing/2014/main" id="{133E5FE8-4897-96D2-6CFB-DBEF7CA9BDD6}"/>
+              </a:ext>
+            </a:extLst>
+          </p:cNvPr>
+          <p:cNvSpPr/>
+          <p:nvPr/>
+        </p:nvSpPr>
+        <p:spPr>
+          <a:xfrm>
+            <a:off x="536696" y="1567763"/>
+            <a:ext cx="3147526" cy="4366505"/>
+          </a:xfrm>
+          <a:prstGeom prst="rect">
+            <a:avLst/>
+          </a:prstGeom>
+          <a:noFill/>
+        </p:spPr>
+        <p:style>
+          <a:lnRef idx="2">
+            <a:schemeClr val="accent1">
+              <a:shade val="15000"/>
+            </a:schemeClr>
+          </a:lnRef>
+          <a:fillRef idx="1">
+            <a:schemeClr val="accent1"/>
+          </a:fillRef>
+          <a:effectRef idx="0">
+            <a:schemeClr val="accent1"/>
+          </a:effectRef>
+          <a:fontRef idx="minor">
+            <a:schemeClr val="lt1"/>
+          </a:fontRef>
+        </p:style>
+        <p:txBody>
+          <a:bodyPr rtlCol="0" anchor="ctr"/>
+          <a:lstStyle/>
+          <a:p>
+            <a:pPr algn="ctr"/>
+            <a:endParaRPr lang="pt-BR"/>
+          </a:p>
+        </p:txBody>
+      </p:sp>
+      <p:sp>
+        <p:nvSpPr>
+          <p:cNvPr id="21" name="Título 1">
+            <a:extLst>
+              <a:ext uri="{FF2B5EF4-FFF2-40B4-BE49-F238E27FC236}">
+                <a16:creationId xmlns:a16="http://schemas.microsoft.com/office/drawing/2014/main" id="{7AFAE1FB-C1A0-A5E5-9FAF-F89E7567D1B6}"/>
+              </a:ext>
+            </a:extLst>
+          </p:cNvPr>
+          <p:cNvSpPr txBox="1">
+            <a:spLocks/>
+          </p:cNvSpPr>
+          <p:nvPr/>
+        </p:nvSpPr>
+        <p:spPr>
+          <a:xfrm>
+            <a:off x="269033" y="149071"/>
+            <a:ext cx="10515600" cy="887825"/>
+          </a:xfrm>
+          <a:prstGeom prst="rect">
+            <a:avLst/>
+          </a:prstGeom>
+        </p:spPr>
+        <p:txBody>
+          <a:bodyPr vert="horz" lIns="91440" tIns="45720" rIns="91440" bIns="45720" rtlCol="0" anchor="b">
+            <a:normAutofit/>
+          </a:bodyPr>
+          <a:lstStyle>
+            <a:lvl1pPr algn="ctr" defTabSz="914400" rtl="0" eaLnBrk="1" latinLnBrk="0" hangingPunct="1">
+              <a:lnSpc>
+                <a:spcPct val="90000"/>
+              </a:lnSpc>
+              <a:spcBef>
+                <a:spcPct val="0"/>
+              </a:spcBef>
+              <a:buNone/>
+              <a:defRPr sz="6000" kern="1200">
+                <a:solidFill>
+                  <a:schemeClr val="tx1"/>
+                </a:solidFill>
+                <a:latin typeface="+mj-lt"/>
+                <a:ea typeface="+mj-ea"/>
+                <a:cs typeface="+mj-cs"/>
+              </a:defRPr>
+            </a:lvl1pPr>
+          </a:lstStyle>
+          <a:p>
+            <a:pPr algn="l"/>
+            <a:r>
+              <a:rPr lang="pt-BR" sz="3600" dirty="0"/>
+              <a:t>Overview Arquitetura</a:t>
+            </a:r>
+          </a:p>
+        </p:txBody>
+      </p:sp>
+      <p:cxnSp>
+        <p:nvCxnSpPr>
+          <p:cNvPr id="3" name="Conector reto 2">
+            <a:extLst>
+              <a:ext uri="{FF2B5EF4-FFF2-40B4-BE49-F238E27FC236}">
+                <a16:creationId xmlns:a16="http://schemas.microsoft.com/office/drawing/2014/main" id="{A3E2A9A0-D489-8869-35F0-F10339E26C84}"/>
+              </a:ext>
+            </a:extLst>
+          </p:cNvPr>
+          <p:cNvCxnSpPr/>
+          <p:nvPr/>
+        </p:nvCxnSpPr>
+        <p:spPr>
+          <a:xfrm>
+            <a:off x="4816782" y="1692377"/>
+            <a:ext cx="0" cy="4224893"/>
+          </a:xfrm>
+          <a:prstGeom prst="line">
+            <a:avLst/>
+          </a:prstGeom>
+          <a:ln>
+            <a:solidFill>
+              <a:schemeClr val="tx1"/>
+            </a:solidFill>
+            <a:prstDash val="dash"/>
+          </a:ln>
+        </p:spPr>
+        <p:style>
+          <a:lnRef idx="2">
+            <a:schemeClr val="accent1"/>
+          </a:lnRef>
+          <a:fillRef idx="0">
+            <a:schemeClr val="accent1"/>
+          </a:fillRef>
+          <a:effectRef idx="1">
+            <a:schemeClr val="accent1"/>
+          </a:effectRef>
+          <a:fontRef idx="minor">
+            <a:schemeClr val="tx1"/>
+          </a:fontRef>
+        </p:style>
+      </p:cxnSp>
+      <p:pic>
+        <p:nvPicPr>
+          <p:cNvPr id="9" name="Imagem 8" descr="Forma&#10;&#10;Descrição gerada automaticamente com confiança baixa">
+            <a:extLst>
+              <a:ext uri="{FF2B5EF4-FFF2-40B4-BE49-F238E27FC236}">
+                <a16:creationId xmlns:a16="http://schemas.microsoft.com/office/drawing/2014/main" id="{384DC5E4-F10C-318A-18D8-F5906D4B9EE6}"/>
+              </a:ext>
+            </a:extLst>
+          </p:cNvPr>
+          <p:cNvPicPr>
+            <a:picLocks noChangeAspect="1"/>
+          </p:cNvPicPr>
+          <p:nvPr/>
+        </p:nvPicPr>
+        <p:blipFill>
+          <a:blip r:embed="rId3">
+            <a:extLst>
+              <a:ext uri="{28A0092B-C50C-407E-A947-70E740481C1C}">
+                <a14:useLocalDpi xmlns:a14="http://schemas.microsoft.com/office/drawing/2010/main" val="0"/>
+              </a:ext>
+            </a:extLst>
+          </a:blip>
+          <a:stretch>
+            <a:fillRect/>
+          </a:stretch>
+        </p:blipFill>
+        <p:spPr>
+          <a:xfrm>
+            <a:off x="4240804" y="2553619"/>
+            <a:ext cx="538656" cy="538656"/>
+          </a:xfrm>
+          <a:prstGeom prst="rect">
+            <a:avLst/>
+          </a:prstGeom>
+        </p:spPr>
+      </p:pic>
+      <p:pic>
+        <p:nvPicPr>
+          <p:cNvPr id="10" name="Imagem 9" descr="Forma&#10;&#10;Descrição gerada automaticamente com confiança baixa">
+            <a:extLst>
+              <a:ext uri="{FF2B5EF4-FFF2-40B4-BE49-F238E27FC236}">
+                <a16:creationId xmlns:a16="http://schemas.microsoft.com/office/drawing/2014/main" id="{49F33F7A-65D9-8172-DD47-B68F35392B2F}"/>
+              </a:ext>
+            </a:extLst>
+          </p:cNvPr>
+          <p:cNvPicPr>
+            <a:picLocks noChangeAspect="1"/>
+          </p:cNvPicPr>
+          <p:nvPr/>
+        </p:nvPicPr>
+        <p:blipFill>
+          <a:blip r:embed="rId3">
+            <a:extLst>
+              <a:ext uri="{28A0092B-C50C-407E-A947-70E740481C1C}">
+                <a14:useLocalDpi xmlns:a14="http://schemas.microsoft.com/office/drawing/2010/main" val="0"/>
+              </a:ext>
+            </a:extLst>
+          </a:blip>
+          <a:stretch>
+            <a:fillRect/>
+          </a:stretch>
+        </p:blipFill>
+        <p:spPr>
+          <a:xfrm>
+            <a:off x="4240804" y="4387606"/>
+            <a:ext cx="538656" cy="538656"/>
+          </a:xfrm>
+          <a:prstGeom prst="rect">
+            <a:avLst/>
+          </a:prstGeom>
+        </p:spPr>
+      </p:pic>
+      <p:pic>
+        <p:nvPicPr>
+          <p:cNvPr id="16" name="Imagem 15">
+            <a:extLst>
+              <a:ext uri="{FF2B5EF4-FFF2-40B4-BE49-F238E27FC236}">
+                <a16:creationId xmlns:a16="http://schemas.microsoft.com/office/drawing/2014/main" id="{EEF289D8-D1B2-4A92-45F0-C08046451142}"/>
+              </a:ext>
+            </a:extLst>
+          </p:cNvPr>
+          <p:cNvPicPr>
+            <a:picLocks noChangeAspect="1"/>
+          </p:cNvPicPr>
+          <p:nvPr/>
+        </p:nvPicPr>
+        <p:blipFill>
+          <a:blip r:embed="rId4"/>
+          <a:stretch>
+            <a:fillRect/>
+          </a:stretch>
+        </p:blipFill>
+        <p:spPr>
+          <a:xfrm>
+            <a:off x="1124514" y="4421538"/>
+            <a:ext cx="603266" cy="603266"/>
+          </a:xfrm>
+          <a:prstGeom prst="rect">
+            <a:avLst/>
+          </a:prstGeom>
+        </p:spPr>
+      </p:pic>
+      <p:pic>
+        <p:nvPicPr>
+          <p:cNvPr id="23" name="Imagem 22" descr="Ícone&#10;&#10;Descrição gerada automaticamente com confiança baixa">
+            <a:extLst>
+              <a:ext uri="{FF2B5EF4-FFF2-40B4-BE49-F238E27FC236}">
+                <a16:creationId xmlns:a16="http://schemas.microsoft.com/office/drawing/2014/main" id="{926EE07D-78FD-9FFD-F300-AD080FE3FA18}"/>
+              </a:ext>
+            </a:extLst>
+          </p:cNvPr>
+          <p:cNvPicPr>
+            <a:picLocks noChangeAspect="1"/>
+          </p:cNvPicPr>
+          <p:nvPr/>
+        </p:nvPicPr>
+        <p:blipFill>
+          <a:blip r:embed="rId5">
+            <a:extLst>
+              <a:ext uri="{28A0092B-C50C-407E-A947-70E740481C1C}">
+                <a14:useLocalDpi xmlns:a14="http://schemas.microsoft.com/office/drawing/2010/main" val="0"/>
+              </a:ext>
+            </a:extLst>
+          </a:blip>
+          <a:stretch>
+            <a:fillRect/>
+          </a:stretch>
+        </p:blipFill>
+        <p:spPr>
+          <a:xfrm>
+            <a:off x="2462458" y="3027783"/>
+            <a:ext cx="911397" cy="911397"/>
+          </a:xfrm>
+          <a:prstGeom prst="rect">
+            <a:avLst/>
+          </a:prstGeom>
+        </p:spPr>
+      </p:pic>
+      <p:sp>
+        <p:nvSpPr>
+          <p:cNvPr id="24" name="CaixaDeTexto 23">
+            <a:extLst>
+              <a:ext uri="{FF2B5EF4-FFF2-40B4-BE49-F238E27FC236}">
+                <a16:creationId xmlns:a16="http://schemas.microsoft.com/office/drawing/2014/main" id="{AA7D5029-403D-97CC-58C9-F1D12D2233BF}"/>
+              </a:ext>
+            </a:extLst>
+          </p:cNvPr>
+          <p:cNvSpPr txBox="1"/>
+          <p:nvPr/>
+        </p:nvSpPr>
+        <p:spPr>
+          <a:xfrm>
+            <a:off x="2461494" y="3897965"/>
+            <a:ext cx="1014451" cy="276999"/>
+          </a:xfrm>
+          <a:prstGeom prst="rect">
+            <a:avLst/>
+          </a:prstGeom>
+          <a:noFill/>
+        </p:spPr>
+        <p:txBody>
+          <a:bodyPr wrap="square" rtlCol="0">
+            <a:spAutoFit/>
+          </a:bodyPr>
+          <a:lstStyle/>
+          <a:p>
+            <a:r>
+              <a:rPr lang="pt-BR" sz="1200" b="1" dirty="0"/>
+              <a:t>Servidores</a:t>
+            </a:r>
+          </a:p>
+        </p:txBody>
+      </p:sp>
+      <p:sp>
+        <p:nvSpPr>
+          <p:cNvPr id="25" name="CaixaDeTexto 24">
+            <a:extLst>
+              <a:ext uri="{FF2B5EF4-FFF2-40B4-BE49-F238E27FC236}">
+                <a16:creationId xmlns:a16="http://schemas.microsoft.com/office/drawing/2014/main" id="{E4E47E1E-9CA1-DFEB-9CF2-ACC64089A508}"/>
+              </a:ext>
+            </a:extLst>
+          </p:cNvPr>
+          <p:cNvSpPr txBox="1"/>
+          <p:nvPr/>
+        </p:nvSpPr>
+        <p:spPr>
+          <a:xfrm>
+            <a:off x="951071" y="3260806"/>
+            <a:ext cx="1116200" cy="461665"/>
+          </a:xfrm>
+          <a:prstGeom prst="rect">
+            <a:avLst/>
+          </a:prstGeom>
+          <a:noFill/>
+        </p:spPr>
+        <p:txBody>
+          <a:bodyPr wrap="square" rtlCol="0">
+            <a:spAutoFit/>
+          </a:bodyPr>
+          <a:lstStyle/>
+          <a:p>
+            <a:r>
+              <a:rPr lang="pt-BR" sz="1200" b="1" dirty="0"/>
+              <a:t>Dados Não Estruturados</a:t>
+            </a:r>
+          </a:p>
+        </p:txBody>
+      </p:sp>
+      <p:pic>
+        <p:nvPicPr>
+          <p:cNvPr id="27" name="Imagem 26" descr="Forma&#10;&#10;Descrição gerada automaticamente com confiança baixa">
+            <a:extLst>
+              <a:ext uri="{FF2B5EF4-FFF2-40B4-BE49-F238E27FC236}">
+                <a16:creationId xmlns:a16="http://schemas.microsoft.com/office/drawing/2014/main" id="{CD461034-C5CA-4B1D-CE0F-1D4C2D74DA19}"/>
+              </a:ext>
+            </a:extLst>
+          </p:cNvPr>
+          <p:cNvPicPr>
+            <a:picLocks noChangeAspect="1"/>
+          </p:cNvPicPr>
+          <p:nvPr/>
+        </p:nvPicPr>
+        <p:blipFill>
+          <a:blip r:embed="rId6">
+            <a:extLst>
+              <a:ext uri="{28A0092B-C50C-407E-A947-70E740481C1C}">
+                <a14:useLocalDpi xmlns:a14="http://schemas.microsoft.com/office/drawing/2010/main" val="0"/>
+              </a:ext>
+            </a:extLst>
+          </a:blip>
+          <a:stretch>
+            <a:fillRect/>
+          </a:stretch>
+        </p:blipFill>
+        <p:spPr>
+          <a:xfrm flipH="1">
+            <a:off x="1027145" y="2452558"/>
+            <a:ext cx="808247" cy="808247"/>
+          </a:xfrm>
+          <a:prstGeom prst="rect">
+            <a:avLst/>
+          </a:prstGeom>
+        </p:spPr>
+      </p:pic>
+      <p:pic>
+        <p:nvPicPr>
+          <p:cNvPr id="29" name="Imagem 28" descr="Forma&#10;&#10;Descrição gerada automaticamente com confiança baixa">
+            <a:extLst>
+              <a:ext uri="{FF2B5EF4-FFF2-40B4-BE49-F238E27FC236}">
+                <a16:creationId xmlns:a16="http://schemas.microsoft.com/office/drawing/2014/main" id="{44224D96-D073-D00D-03EA-3A77579220AC}"/>
+              </a:ext>
+            </a:extLst>
+          </p:cNvPr>
+          <p:cNvPicPr>
+            <a:picLocks noChangeAspect="1"/>
+          </p:cNvPicPr>
+          <p:nvPr/>
+        </p:nvPicPr>
+        <p:blipFill>
+          <a:blip r:embed="rId7">
+            <a:extLst>
+              <a:ext uri="{28A0092B-C50C-407E-A947-70E740481C1C}">
+                <a14:useLocalDpi xmlns:a14="http://schemas.microsoft.com/office/drawing/2010/main" val="0"/>
+              </a:ext>
+            </a:extLst>
+          </a:blip>
+          <a:stretch>
+            <a:fillRect/>
+          </a:stretch>
+        </p:blipFill>
+        <p:spPr>
+          <a:xfrm>
+            <a:off x="1847879" y="4506463"/>
+            <a:ext cx="438783" cy="438783"/>
+          </a:xfrm>
+          <a:prstGeom prst="rect">
+            <a:avLst/>
+          </a:prstGeom>
+        </p:spPr>
+      </p:pic>
+      <p:sp>
+        <p:nvSpPr>
+          <p:cNvPr id="30" name="CaixaDeTexto 29">
+            <a:extLst>
+              <a:ext uri="{FF2B5EF4-FFF2-40B4-BE49-F238E27FC236}">
+                <a16:creationId xmlns:a16="http://schemas.microsoft.com/office/drawing/2014/main" id="{BD96D75A-5704-58E5-6FB1-1EBFC9D7CF80}"/>
+              </a:ext>
+            </a:extLst>
+          </p:cNvPr>
+          <p:cNvSpPr txBox="1"/>
+          <p:nvPr/>
+        </p:nvSpPr>
+        <p:spPr>
+          <a:xfrm>
+            <a:off x="1211540" y="5076351"/>
+            <a:ext cx="1250918" cy="461665"/>
+          </a:xfrm>
+          <a:prstGeom prst="rect">
+            <a:avLst/>
+          </a:prstGeom>
+          <a:noFill/>
+        </p:spPr>
+        <p:txBody>
+          <a:bodyPr wrap="square" rtlCol="0">
+            <a:spAutoFit/>
+          </a:bodyPr>
+          <a:lstStyle/>
+          <a:p>
+            <a:r>
+              <a:rPr lang="pt-BR" sz="1200" b="1" dirty="0" err="1"/>
+              <a:t>API’s</a:t>
+            </a:r>
+            <a:r>
+              <a:rPr lang="pt-BR" sz="1200" b="1" dirty="0"/>
+              <a:t> e Webservices</a:t>
+            </a:r>
+          </a:p>
+        </p:txBody>
+      </p:sp>
+      <p:sp>
+        <p:nvSpPr>
+          <p:cNvPr id="31" name="CaixaDeTexto 30">
+            <a:extLst>
+              <a:ext uri="{FF2B5EF4-FFF2-40B4-BE49-F238E27FC236}">
+                <a16:creationId xmlns:a16="http://schemas.microsoft.com/office/drawing/2014/main" id="{C67E03BA-3AD4-A945-36C0-7812D99057D2}"/>
+              </a:ext>
+            </a:extLst>
+          </p:cNvPr>
+          <p:cNvSpPr txBox="1"/>
+          <p:nvPr/>
+        </p:nvSpPr>
+        <p:spPr>
+          <a:xfrm>
+            <a:off x="6064898" y="5060191"/>
+            <a:ext cx="1310318" cy="276999"/>
+          </a:xfrm>
+          <a:prstGeom prst="rect">
+            <a:avLst/>
+          </a:prstGeom>
+          <a:noFill/>
+        </p:spPr>
+        <p:txBody>
+          <a:bodyPr wrap="square" rtlCol="0">
+            <a:spAutoFit/>
+          </a:bodyPr>
+          <a:lstStyle/>
+          <a:p>
+            <a:r>
+              <a:rPr lang="pt-BR" sz="1200" b="1" dirty="0"/>
+              <a:t>Object Storage</a:t>
+            </a:r>
+          </a:p>
+        </p:txBody>
+      </p:sp>
+      <p:pic>
+        <p:nvPicPr>
+          <p:cNvPr id="33" name="Imagem 32">
+            <a:extLst>
+              <a:ext uri="{FF2B5EF4-FFF2-40B4-BE49-F238E27FC236}">
+                <a16:creationId xmlns:a16="http://schemas.microsoft.com/office/drawing/2014/main" id="{A23A2049-3C50-B004-9444-53603C79B5CD}"/>
+              </a:ext>
+            </a:extLst>
+          </p:cNvPr>
+          <p:cNvPicPr>
+            <a:picLocks noChangeAspect="1"/>
+          </p:cNvPicPr>
+          <p:nvPr/>
+        </p:nvPicPr>
+        <p:blipFill>
+          <a:blip r:embed="rId8"/>
+          <a:stretch>
+            <a:fillRect/>
+          </a:stretch>
+        </p:blipFill>
+        <p:spPr>
+          <a:xfrm>
+            <a:off x="9482063" y="2231866"/>
+            <a:ext cx="1302570" cy="1302570"/>
+          </a:xfrm>
+          <a:prstGeom prst="rect">
+            <a:avLst/>
+          </a:prstGeom>
+        </p:spPr>
+      </p:pic>
+    </p:spTree>
+    <p:extLst>
+      <p:ext uri="{BB962C8B-B14F-4D97-AF65-F5344CB8AC3E}">
+        <p14:creationId xmlns:p14="http://schemas.microsoft.com/office/powerpoint/2010/main" val="746624978"/>
+      </p:ext>
+    </p:extLst>
+  </p:cSld>
+  <p:clrMapOvr>
+    <a:masterClrMapping/>
+  </p:clrMapOvr>
+</p:sld>
+</file>
+
+<file path=ppt/slides/slide3.xml><?xml version="1.0" encoding="utf-8"?>
+<p:sld xmlns:a="http://schemas.openxmlformats.org/drawingml/2006/main" xmlns:r="http://schemas.openxmlformats.org/officeDocument/2006/relationships" xmlns:p="http://schemas.openxmlformats.org/presentationml/2006/main">
+  <p:cSld>
+    <p:spTree>
+      <p:nvGrpSpPr>
+        <p:cNvPr id="1" name="">
+          <a:extLst>
+            <a:ext uri="{FF2B5EF4-FFF2-40B4-BE49-F238E27FC236}">
+              <a16:creationId xmlns:a16="http://schemas.microsoft.com/office/drawing/2014/main" id="{D1A1D718-E61E-25DD-5CEA-99CE50BB0ADA}"/>
+            </a:ext>
+          </a:extLst>
+        </p:cNvPr>
+        <p:cNvGrpSpPr/>
+        <p:nvPr/>
+      </p:nvGrpSpPr>
+      <p:grpSpPr>
+        <a:xfrm>
+          <a:off x="0" y="0"/>
+          <a:ext cx="0" cy="0"/>
+          <a:chOff x="0" y="0"/>
+          <a:chExt cx="0" cy="0"/>
+        </a:xfrm>
+      </p:grpSpPr>
+      <p:sp>
+        <p:nvSpPr>
+          <p:cNvPr id="2" name="Título 1">
+            <a:extLst>
+              <a:ext uri="{FF2B5EF4-FFF2-40B4-BE49-F238E27FC236}">
+                <a16:creationId xmlns:a16="http://schemas.microsoft.com/office/drawing/2014/main" id="{F3D7947D-0E77-453E-873A-74D926F62A8F}"/>
+              </a:ext>
+            </a:extLst>
+          </p:cNvPr>
+          <p:cNvSpPr txBox="1">
+            <a:spLocks/>
+          </p:cNvSpPr>
+          <p:nvPr/>
+        </p:nvSpPr>
+        <p:spPr>
+          <a:xfrm>
+            <a:off x="269033" y="149071"/>
+            <a:ext cx="10515600" cy="887825"/>
+          </a:xfrm>
+          <a:prstGeom prst="rect">
+            <a:avLst/>
+          </a:prstGeom>
+        </p:spPr>
+        <p:txBody>
+          <a:bodyPr vert="horz" lIns="91440" tIns="45720" rIns="91440" bIns="45720" rtlCol="0" anchor="b">
+            <a:normAutofit/>
+          </a:bodyPr>
+          <a:lstStyle>
+            <a:lvl1pPr algn="ctr" defTabSz="914400" rtl="0" eaLnBrk="1" latinLnBrk="0" hangingPunct="1">
+              <a:lnSpc>
+                <a:spcPct val="90000"/>
+              </a:lnSpc>
+              <a:spcBef>
+                <a:spcPct val="0"/>
+              </a:spcBef>
+              <a:buNone/>
+              <a:defRPr sz="6000" kern="1200">
+                <a:solidFill>
+                  <a:schemeClr val="tx1"/>
+                </a:solidFill>
+                <a:latin typeface="+mj-lt"/>
+                <a:ea typeface="+mj-ea"/>
+                <a:cs typeface="+mj-cs"/>
+              </a:defRPr>
+            </a:lvl1pPr>
+          </a:lstStyle>
+          <a:p>
+            <a:pPr algn="l"/>
+            <a:r>
+              <a:rPr lang="pt-BR" sz="3600" dirty="0"/>
+              <a:t>Camadas</a:t>
+            </a:r>
+          </a:p>
+        </p:txBody>
+      </p:sp>
+      <p:cxnSp>
+        <p:nvCxnSpPr>
+          <p:cNvPr id="3" name="Conector reto 2">
+            <a:extLst>
+              <a:ext uri="{FF2B5EF4-FFF2-40B4-BE49-F238E27FC236}">
+                <a16:creationId xmlns:a16="http://schemas.microsoft.com/office/drawing/2014/main" id="{2B48DD53-13FC-3BEF-9893-1F7CBBBE92AE}"/>
+              </a:ext>
+            </a:extLst>
+          </p:cNvPr>
+          <p:cNvCxnSpPr>
+            <a:cxnSpLocks/>
+          </p:cNvCxnSpPr>
+          <p:nvPr/>
+        </p:nvCxnSpPr>
+        <p:spPr>
+          <a:xfrm>
+            <a:off x="2418816" y="1141874"/>
+            <a:ext cx="9048506" cy="0"/>
+          </a:xfrm>
+          <a:prstGeom prst="line">
+            <a:avLst/>
+          </a:prstGeom>
+          <a:ln>
+            <a:solidFill>
+              <a:schemeClr val="tx1"/>
+            </a:solidFill>
+            <a:prstDash val="dash"/>
+          </a:ln>
+        </p:spPr>
+        <p:style>
+          <a:lnRef idx="2">
+            <a:schemeClr val="accent1"/>
+          </a:lnRef>
+          <a:fillRef idx="0">
+            <a:schemeClr val="accent1"/>
+          </a:fillRef>
+          <a:effectRef idx="1">
+            <a:schemeClr val="accent1"/>
+          </a:effectRef>
+          <a:fontRef idx="minor">
+            <a:schemeClr val="tx1"/>
+          </a:fontRef>
+        </p:style>
+      </p:cxnSp>
+      <p:pic>
+        <p:nvPicPr>
+          <p:cNvPr id="5" name="Imagem 4">
+            <a:extLst>
+              <a:ext uri="{FF2B5EF4-FFF2-40B4-BE49-F238E27FC236}">
+                <a16:creationId xmlns:a16="http://schemas.microsoft.com/office/drawing/2014/main" id="{172AB12F-0ADA-ACB3-E585-89615476F545}"/>
+              </a:ext>
+            </a:extLst>
+          </p:cNvPr>
+          <p:cNvPicPr>
+            <a:picLocks noChangeAspect="1"/>
+          </p:cNvPicPr>
+          <p:nvPr/>
+        </p:nvPicPr>
+        <p:blipFill>
+          <a:blip r:embed="rId2"/>
+          <a:stretch>
+            <a:fillRect/>
+          </a:stretch>
+        </p:blipFill>
+        <p:spPr>
+          <a:xfrm>
+            <a:off x="269033" y="1531751"/>
+            <a:ext cx="738673" cy="608117"/>
+          </a:xfrm>
+          <a:prstGeom prst="rect">
+            <a:avLst/>
+          </a:prstGeom>
+        </p:spPr>
+      </p:pic>
+      <p:cxnSp>
+        <p:nvCxnSpPr>
+          <p:cNvPr id="7" name="Conector reto 6">
+            <a:extLst>
+              <a:ext uri="{FF2B5EF4-FFF2-40B4-BE49-F238E27FC236}">
+                <a16:creationId xmlns:a16="http://schemas.microsoft.com/office/drawing/2014/main" id="{79A39505-CE17-5426-8F59-7DF21E93393F}"/>
+              </a:ext>
+            </a:extLst>
+          </p:cNvPr>
+          <p:cNvCxnSpPr>
+            <a:cxnSpLocks/>
+          </p:cNvCxnSpPr>
+          <p:nvPr/>
+        </p:nvCxnSpPr>
+        <p:spPr>
+          <a:xfrm>
+            <a:off x="2418816" y="2441939"/>
+            <a:ext cx="9048506" cy="0"/>
+          </a:xfrm>
+          <a:prstGeom prst="line">
+            <a:avLst/>
+          </a:prstGeom>
+          <a:ln>
+            <a:solidFill>
+              <a:schemeClr val="tx1"/>
+            </a:solidFill>
+            <a:prstDash val="dash"/>
+          </a:ln>
+        </p:spPr>
+        <p:style>
+          <a:lnRef idx="2">
+            <a:schemeClr val="accent1"/>
+          </a:lnRef>
+          <a:fillRef idx="0">
+            <a:schemeClr val="accent1"/>
+          </a:fillRef>
+          <a:effectRef idx="1">
+            <a:schemeClr val="accent1"/>
+          </a:effectRef>
+          <a:fontRef idx="minor">
+            <a:schemeClr val="tx1"/>
+          </a:fontRef>
+        </p:style>
+      </p:cxnSp>
+      <p:sp>
+        <p:nvSpPr>
+          <p:cNvPr id="8" name="CaixaDeTexto 7">
+            <a:extLst>
+              <a:ext uri="{FF2B5EF4-FFF2-40B4-BE49-F238E27FC236}">
+                <a16:creationId xmlns:a16="http://schemas.microsoft.com/office/drawing/2014/main" id="{A4B10C7E-261E-A05A-090A-7FC66136B135}"/>
+              </a:ext>
+            </a:extLst>
+          </p:cNvPr>
+          <p:cNvSpPr txBox="1"/>
+          <p:nvPr/>
+        </p:nvSpPr>
+        <p:spPr>
+          <a:xfrm>
+            <a:off x="269033" y="1267937"/>
+            <a:ext cx="1261187" cy="276999"/>
+          </a:xfrm>
+          <a:prstGeom prst="rect">
+            <a:avLst/>
+          </a:prstGeom>
+          <a:noFill/>
+        </p:spPr>
+        <p:txBody>
+          <a:bodyPr wrap="square" rtlCol="0">
+            <a:spAutoFit/>
+          </a:bodyPr>
+          <a:lstStyle/>
+          <a:p>
+            <a:r>
+              <a:rPr lang="pt-BR" sz="1200" b="1" dirty="0" err="1"/>
+              <a:t>Work</a:t>
+            </a:r>
+            <a:r>
+              <a:rPr lang="pt-BR" sz="1200" b="1" dirty="0"/>
+              <a:t> Data</a:t>
+            </a:r>
+          </a:p>
+        </p:txBody>
+      </p:sp>
+      <p:pic>
+        <p:nvPicPr>
+          <p:cNvPr id="9" name="Imagem 8">
+            <a:extLst>
+              <a:ext uri="{FF2B5EF4-FFF2-40B4-BE49-F238E27FC236}">
+                <a16:creationId xmlns:a16="http://schemas.microsoft.com/office/drawing/2014/main" id="{98B8CA7B-B9D3-2AB6-C72B-168C816B8AFD}"/>
+              </a:ext>
+            </a:extLst>
+          </p:cNvPr>
+          <p:cNvPicPr>
+            <a:picLocks noChangeAspect="1"/>
+          </p:cNvPicPr>
+          <p:nvPr/>
+        </p:nvPicPr>
+        <p:blipFill>
+          <a:blip r:embed="rId2"/>
+          <a:stretch>
+            <a:fillRect/>
+          </a:stretch>
+        </p:blipFill>
+        <p:spPr>
+          <a:xfrm>
+            <a:off x="269033" y="3065109"/>
+            <a:ext cx="738673" cy="608117"/>
+          </a:xfrm>
+          <a:prstGeom prst="rect">
+            <a:avLst/>
+          </a:prstGeom>
+        </p:spPr>
+      </p:pic>
+      <p:sp>
+        <p:nvSpPr>
+          <p:cNvPr id="10" name="CaixaDeTexto 9">
+            <a:extLst>
+              <a:ext uri="{FF2B5EF4-FFF2-40B4-BE49-F238E27FC236}">
+                <a16:creationId xmlns:a16="http://schemas.microsoft.com/office/drawing/2014/main" id="{146C3EC5-4ED2-3389-16D8-8BD0A994027A}"/>
+              </a:ext>
+            </a:extLst>
+          </p:cNvPr>
+          <p:cNvSpPr txBox="1"/>
+          <p:nvPr/>
+        </p:nvSpPr>
+        <p:spPr>
+          <a:xfrm>
+            <a:off x="269033" y="2801295"/>
+            <a:ext cx="1261187" cy="276999"/>
+          </a:xfrm>
+          <a:prstGeom prst="rect">
+            <a:avLst/>
+          </a:prstGeom>
+          <a:noFill/>
+        </p:spPr>
+        <p:txBody>
+          <a:bodyPr wrap="square" rtlCol="0">
+            <a:spAutoFit/>
+          </a:bodyPr>
+          <a:lstStyle/>
+          <a:p>
+            <a:r>
+              <a:rPr lang="pt-BR" sz="1200" b="1" dirty="0" err="1"/>
+              <a:t>Trusted</a:t>
+            </a:r>
+            <a:r>
+              <a:rPr lang="pt-BR" sz="1200" b="1" dirty="0"/>
+              <a:t> Data</a:t>
+            </a:r>
+          </a:p>
+        </p:txBody>
+      </p:sp>
+      <p:pic>
+        <p:nvPicPr>
+          <p:cNvPr id="11" name="Imagem 10">
+            <a:extLst>
+              <a:ext uri="{FF2B5EF4-FFF2-40B4-BE49-F238E27FC236}">
+                <a16:creationId xmlns:a16="http://schemas.microsoft.com/office/drawing/2014/main" id="{981A23DF-8868-7ACF-50DE-DBAB51E13A6A}"/>
+              </a:ext>
+            </a:extLst>
+          </p:cNvPr>
+          <p:cNvPicPr>
+            <a:picLocks noChangeAspect="1"/>
+          </p:cNvPicPr>
+          <p:nvPr/>
+        </p:nvPicPr>
+        <p:blipFill>
+          <a:blip r:embed="rId2"/>
+          <a:stretch>
+            <a:fillRect/>
+          </a:stretch>
+        </p:blipFill>
+        <p:spPr>
+          <a:xfrm>
+            <a:off x="269033" y="4430488"/>
+            <a:ext cx="738673" cy="608117"/>
+          </a:xfrm>
+          <a:prstGeom prst="rect">
+            <a:avLst/>
+          </a:prstGeom>
+        </p:spPr>
+      </p:pic>
+      <p:sp>
+        <p:nvSpPr>
+          <p:cNvPr id="12" name="CaixaDeTexto 11">
+            <a:extLst>
+              <a:ext uri="{FF2B5EF4-FFF2-40B4-BE49-F238E27FC236}">
+                <a16:creationId xmlns:a16="http://schemas.microsoft.com/office/drawing/2014/main" id="{46E9FD70-5549-9E8C-CE11-9F2F180FBC0B}"/>
+              </a:ext>
+            </a:extLst>
+          </p:cNvPr>
+          <p:cNvSpPr txBox="1"/>
+          <p:nvPr/>
+        </p:nvSpPr>
+        <p:spPr>
+          <a:xfrm>
+            <a:off x="269033" y="4166674"/>
+            <a:ext cx="1261187" cy="276999"/>
+          </a:xfrm>
+          <a:prstGeom prst="rect">
+            <a:avLst/>
+          </a:prstGeom>
+          <a:noFill/>
+        </p:spPr>
+        <p:txBody>
+          <a:bodyPr wrap="square" rtlCol="0">
+            <a:spAutoFit/>
+          </a:bodyPr>
+          <a:lstStyle/>
+          <a:p>
+            <a:r>
+              <a:rPr lang="pt-BR" sz="1200" b="1" dirty="0" err="1"/>
+              <a:t>Sensitive</a:t>
+            </a:r>
+            <a:r>
+              <a:rPr lang="pt-BR" sz="1200" b="1" dirty="0"/>
+              <a:t> Data</a:t>
+            </a:r>
+          </a:p>
+        </p:txBody>
+      </p:sp>
+      <p:pic>
+        <p:nvPicPr>
+          <p:cNvPr id="13" name="Imagem 12">
+            <a:extLst>
+              <a:ext uri="{FF2B5EF4-FFF2-40B4-BE49-F238E27FC236}">
+                <a16:creationId xmlns:a16="http://schemas.microsoft.com/office/drawing/2014/main" id="{627B20CA-2DA7-CD0D-F0AD-5327C0F8C9CD}"/>
+              </a:ext>
+            </a:extLst>
+          </p:cNvPr>
+          <p:cNvPicPr>
+            <a:picLocks noChangeAspect="1"/>
+          </p:cNvPicPr>
+          <p:nvPr/>
+        </p:nvPicPr>
+        <p:blipFill>
+          <a:blip r:embed="rId2"/>
+          <a:stretch>
+            <a:fillRect/>
+          </a:stretch>
+        </p:blipFill>
+        <p:spPr>
+          <a:xfrm>
+            <a:off x="269033" y="5728620"/>
+            <a:ext cx="738673" cy="608117"/>
+          </a:xfrm>
+          <a:prstGeom prst="rect">
+            <a:avLst/>
+          </a:prstGeom>
+        </p:spPr>
+      </p:pic>
+      <p:sp>
+        <p:nvSpPr>
+          <p:cNvPr id="14" name="CaixaDeTexto 13">
+            <a:extLst>
+              <a:ext uri="{FF2B5EF4-FFF2-40B4-BE49-F238E27FC236}">
+                <a16:creationId xmlns:a16="http://schemas.microsoft.com/office/drawing/2014/main" id="{95D3112C-2C41-AB96-8F7B-CD4E8905F0BB}"/>
+              </a:ext>
+            </a:extLst>
+          </p:cNvPr>
+          <p:cNvSpPr txBox="1"/>
+          <p:nvPr/>
+        </p:nvSpPr>
+        <p:spPr>
+          <a:xfrm>
+            <a:off x="269033" y="5464806"/>
+            <a:ext cx="1261187" cy="276999"/>
+          </a:xfrm>
+          <a:prstGeom prst="rect">
+            <a:avLst/>
+          </a:prstGeom>
+          <a:noFill/>
+        </p:spPr>
+        <p:txBody>
+          <a:bodyPr wrap="square" rtlCol="0">
+            <a:spAutoFit/>
+          </a:bodyPr>
+          <a:lstStyle/>
+          <a:p>
+            <a:r>
+              <a:rPr lang="pt-BR" sz="1200" b="1" dirty="0"/>
+              <a:t>Landing Data</a:t>
+            </a:r>
+          </a:p>
+        </p:txBody>
+      </p:sp>
+      <p:cxnSp>
+        <p:nvCxnSpPr>
+          <p:cNvPr id="15" name="Conector reto 14">
+            <a:extLst>
+              <a:ext uri="{FF2B5EF4-FFF2-40B4-BE49-F238E27FC236}">
+                <a16:creationId xmlns:a16="http://schemas.microsoft.com/office/drawing/2014/main" id="{6549839B-F2A4-0CBD-2258-4D6172D5D2AE}"/>
+              </a:ext>
+            </a:extLst>
+          </p:cNvPr>
+          <p:cNvCxnSpPr>
+            <a:cxnSpLocks/>
+          </p:cNvCxnSpPr>
+          <p:nvPr/>
+        </p:nvCxnSpPr>
+        <p:spPr>
+          <a:xfrm>
+            <a:off x="2418816" y="3825981"/>
+            <a:ext cx="9048506" cy="0"/>
+          </a:xfrm>
+          <a:prstGeom prst="line">
+            <a:avLst/>
+          </a:prstGeom>
+          <a:ln>
+            <a:solidFill>
+              <a:schemeClr val="tx1"/>
+            </a:solidFill>
+            <a:prstDash val="dash"/>
+          </a:ln>
+        </p:spPr>
+        <p:style>
+          <a:lnRef idx="2">
+            <a:schemeClr val="accent1"/>
+          </a:lnRef>
+          <a:fillRef idx="0">
+            <a:schemeClr val="accent1"/>
+          </a:fillRef>
+          <a:effectRef idx="1">
+            <a:schemeClr val="accent1"/>
+          </a:effectRef>
+          <a:fontRef idx="minor">
+            <a:schemeClr val="tx1"/>
+          </a:fontRef>
+        </p:style>
+      </p:cxnSp>
+      <p:cxnSp>
+        <p:nvCxnSpPr>
+          <p:cNvPr id="16" name="Conector reto 15">
+            <a:extLst>
+              <a:ext uri="{FF2B5EF4-FFF2-40B4-BE49-F238E27FC236}">
+                <a16:creationId xmlns:a16="http://schemas.microsoft.com/office/drawing/2014/main" id="{48F64453-3B18-FBB5-7168-8CDBFF2C5657}"/>
+              </a:ext>
+            </a:extLst>
+          </p:cNvPr>
+          <p:cNvCxnSpPr>
+            <a:cxnSpLocks/>
+          </p:cNvCxnSpPr>
+          <p:nvPr/>
+        </p:nvCxnSpPr>
+        <p:spPr>
+          <a:xfrm>
+            <a:off x="2418816" y="5247345"/>
+            <a:ext cx="9048506" cy="0"/>
+          </a:xfrm>
+          <a:prstGeom prst="line">
+            <a:avLst/>
+          </a:prstGeom>
+          <a:ln>
+            <a:solidFill>
+              <a:schemeClr val="tx1"/>
+            </a:solidFill>
+            <a:prstDash val="dash"/>
+          </a:ln>
+        </p:spPr>
+        <p:style>
+          <a:lnRef idx="2">
+            <a:schemeClr val="accent1"/>
+          </a:lnRef>
+          <a:fillRef idx="0">
+            <a:schemeClr val="accent1"/>
+          </a:fillRef>
+          <a:effectRef idx="1">
+            <a:schemeClr val="accent1"/>
+          </a:effectRef>
+          <a:fontRef idx="minor">
+            <a:schemeClr val="tx1"/>
+          </a:fontRef>
+        </p:style>
+      </p:cxnSp>
+      <p:cxnSp>
+        <p:nvCxnSpPr>
+          <p:cNvPr id="19" name="Conector de Seta Reta 18">
+            <a:extLst>
+              <a:ext uri="{FF2B5EF4-FFF2-40B4-BE49-F238E27FC236}">
+                <a16:creationId xmlns:a16="http://schemas.microsoft.com/office/drawing/2014/main" id="{E2465818-75FC-460B-F1ED-33B8D44A6B5E}"/>
+              </a:ext>
+            </a:extLst>
+          </p:cNvPr>
+          <p:cNvCxnSpPr>
+            <a:cxnSpLocks/>
+          </p:cNvCxnSpPr>
+          <p:nvPr/>
+        </p:nvCxnSpPr>
+        <p:spPr>
+          <a:xfrm flipV="1">
+            <a:off x="10217020" y="251927"/>
+            <a:ext cx="0" cy="1446244"/>
+          </a:xfrm>
+          <a:prstGeom prst="straightConnector1">
+            <a:avLst/>
+          </a:prstGeom>
+          <a:ln>
+            <a:tailEnd type="triangle"/>
+          </a:ln>
+        </p:spPr>
+        <p:style>
+          <a:lnRef idx="2">
+            <a:schemeClr val="accent1"/>
+          </a:lnRef>
+          <a:fillRef idx="0">
+            <a:schemeClr val="accent1"/>
+          </a:fillRef>
+          <a:effectRef idx="1">
+            <a:schemeClr val="accent1"/>
+          </a:effectRef>
+          <a:fontRef idx="minor">
+            <a:schemeClr val="tx1"/>
+          </a:fontRef>
+        </p:style>
+      </p:cxnSp>
+      <p:sp>
+        <p:nvSpPr>
+          <p:cNvPr id="21" name="CaixaDeTexto 20">
+            <a:extLst>
+              <a:ext uri="{FF2B5EF4-FFF2-40B4-BE49-F238E27FC236}">
+                <a16:creationId xmlns:a16="http://schemas.microsoft.com/office/drawing/2014/main" id="{82F8F910-6D39-AD83-44F5-FBD5C241A945}"/>
+              </a:ext>
+            </a:extLst>
+          </p:cNvPr>
+          <p:cNvSpPr txBox="1"/>
+          <p:nvPr/>
+        </p:nvSpPr>
+        <p:spPr>
+          <a:xfrm>
+            <a:off x="10217020" y="535387"/>
+            <a:ext cx="1063689" cy="276998"/>
+          </a:xfrm>
+          <a:prstGeom prst="rect">
+            <a:avLst/>
+          </a:prstGeom>
+          <a:noFill/>
+        </p:spPr>
+        <p:txBody>
+          <a:bodyPr wrap="square" rtlCol="0">
+            <a:spAutoFit/>
+          </a:bodyPr>
+          <a:lstStyle/>
+          <a:p>
+            <a:r>
+              <a:rPr lang="pt-BR" sz="1200" b="1" dirty="0">
+                <a:solidFill>
+                  <a:srgbClr val="002060"/>
+                </a:solidFill>
+              </a:rPr>
+              <a:t>Usuários</a:t>
+            </a:r>
+          </a:p>
+        </p:txBody>
+      </p:sp>
+      <p:cxnSp>
+        <p:nvCxnSpPr>
+          <p:cNvPr id="23" name="Conector de Seta Reta 22">
+            <a:extLst>
+              <a:ext uri="{FF2B5EF4-FFF2-40B4-BE49-F238E27FC236}">
+                <a16:creationId xmlns:a16="http://schemas.microsoft.com/office/drawing/2014/main" id="{A0712789-1986-3915-7310-41D5204A4451}"/>
+              </a:ext>
+            </a:extLst>
+          </p:cNvPr>
+          <p:cNvCxnSpPr/>
+          <p:nvPr/>
+        </p:nvCxnSpPr>
+        <p:spPr>
+          <a:xfrm>
+            <a:off x="8322906" y="812385"/>
+            <a:ext cx="0" cy="2120160"/>
+          </a:xfrm>
+          <a:prstGeom prst="straightConnector1">
+            <a:avLst/>
+          </a:prstGeom>
+          <a:ln>
+            <a:headEnd type="triangle"/>
+            <a:tailEnd type="triangle"/>
+          </a:ln>
+        </p:spPr>
+        <p:style>
+          <a:lnRef idx="2">
+            <a:schemeClr val="accent1"/>
+          </a:lnRef>
+          <a:fillRef idx="0">
+            <a:schemeClr val="accent1"/>
+          </a:fillRef>
+          <a:effectRef idx="1">
+            <a:schemeClr val="accent1"/>
+          </a:effectRef>
+          <a:fontRef idx="minor">
+            <a:schemeClr val="tx1"/>
+          </a:fontRef>
+        </p:style>
+      </p:cxnSp>
+      <p:sp>
+        <p:nvSpPr>
+          <p:cNvPr id="24" name="CaixaDeTexto 23">
+            <a:extLst>
+              <a:ext uri="{FF2B5EF4-FFF2-40B4-BE49-F238E27FC236}">
+                <a16:creationId xmlns:a16="http://schemas.microsoft.com/office/drawing/2014/main" id="{08887950-B989-B292-1D7E-A0F64E3550AF}"/>
+              </a:ext>
+            </a:extLst>
+          </p:cNvPr>
+          <p:cNvSpPr txBox="1"/>
+          <p:nvPr/>
+        </p:nvSpPr>
+        <p:spPr>
+          <a:xfrm>
+            <a:off x="8322906" y="1718223"/>
+            <a:ext cx="1063689" cy="461665"/>
+          </a:xfrm>
+          <a:prstGeom prst="rect">
+            <a:avLst/>
+          </a:prstGeom>
+          <a:noFill/>
+        </p:spPr>
+        <p:txBody>
+          <a:bodyPr wrap="square" rtlCol="0">
+            <a:spAutoFit/>
+          </a:bodyPr>
+          <a:lstStyle/>
+          <a:p>
+            <a:r>
+              <a:rPr lang="pt-BR" sz="1200" b="1" dirty="0">
+                <a:solidFill>
+                  <a:srgbClr val="002060"/>
+                </a:solidFill>
+              </a:rPr>
+              <a:t>Analistas Avançados</a:t>
+            </a:r>
+          </a:p>
+        </p:txBody>
+      </p:sp>
+      <p:cxnSp>
+        <p:nvCxnSpPr>
+          <p:cNvPr id="25" name="Conector de Seta Reta 24">
+            <a:extLst>
+              <a:ext uri="{FF2B5EF4-FFF2-40B4-BE49-F238E27FC236}">
+                <a16:creationId xmlns:a16="http://schemas.microsoft.com/office/drawing/2014/main" id="{0FB8590A-C51C-0D34-7AE2-905A3FEE696F}"/>
+              </a:ext>
+            </a:extLst>
+          </p:cNvPr>
+          <p:cNvCxnSpPr/>
+          <p:nvPr/>
+        </p:nvCxnSpPr>
+        <p:spPr>
+          <a:xfrm>
+            <a:off x="5526833" y="812385"/>
+            <a:ext cx="0" cy="2120160"/>
+          </a:xfrm>
+          <a:prstGeom prst="straightConnector1">
+            <a:avLst/>
+          </a:prstGeom>
+          <a:ln>
+            <a:headEnd type="triangle"/>
+            <a:tailEnd type="triangle"/>
+          </a:ln>
+        </p:spPr>
+        <p:style>
+          <a:lnRef idx="2">
+            <a:schemeClr val="accent1"/>
+          </a:lnRef>
+          <a:fillRef idx="0">
+            <a:schemeClr val="accent1"/>
+          </a:fillRef>
+          <a:effectRef idx="1">
+            <a:schemeClr val="accent1"/>
+          </a:effectRef>
+          <a:fontRef idx="minor">
+            <a:schemeClr val="tx1"/>
+          </a:fontRef>
+        </p:style>
+      </p:cxnSp>
+      <p:sp>
+        <p:nvSpPr>
+          <p:cNvPr id="26" name="CaixaDeTexto 25">
+            <a:extLst>
+              <a:ext uri="{FF2B5EF4-FFF2-40B4-BE49-F238E27FC236}">
+                <a16:creationId xmlns:a16="http://schemas.microsoft.com/office/drawing/2014/main" id="{717F9637-FE6E-B817-29C8-708F2B689F79}"/>
+              </a:ext>
+            </a:extLst>
+          </p:cNvPr>
+          <p:cNvSpPr txBox="1"/>
+          <p:nvPr/>
+        </p:nvSpPr>
+        <p:spPr>
+          <a:xfrm>
+            <a:off x="5564155" y="1644692"/>
+            <a:ext cx="1063689" cy="461665"/>
+          </a:xfrm>
+          <a:prstGeom prst="rect">
+            <a:avLst/>
+          </a:prstGeom>
+          <a:noFill/>
+        </p:spPr>
+        <p:txBody>
+          <a:bodyPr wrap="square" rtlCol="0">
+            <a:spAutoFit/>
+          </a:bodyPr>
+          <a:lstStyle/>
+          <a:p>
+            <a:r>
+              <a:rPr lang="pt-BR" sz="1200" b="1" dirty="0">
+                <a:solidFill>
+                  <a:srgbClr val="002060"/>
+                </a:solidFill>
+              </a:rPr>
+              <a:t>Cientistas de Dados</a:t>
+            </a:r>
+          </a:p>
+        </p:txBody>
+      </p:sp>
+      <p:cxnSp>
+        <p:nvCxnSpPr>
+          <p:cNvPr id="27" name="Conector de Seta Reta 26">
+            <a:extLst>
+              <a:ext uri="{FF2B5EF4-FFF2-40B4-BE49-F238E27FC236}">
+                <a16:creationId xmlns:a16="http://schemas.microsoft.com/office/drawing/2014/main" id="{019854CA-E643-B25F-28E9-0A851B677D23}"/>
+              </a:ext>
+            </a:extLst>
+          </p:cNvPr>
+          <p:cNvCxnSpPr>
+            <a:cxnSpLocks/>
+          </p:cNvCxnSpPr>
+          <p:nvPr/>
+        </p:nvCxnSpPr>
+        <p:spPr>
+          <a:xfrm>
+            <a:off x="3365241" y="812385"/>
+            <a:ext cx="0" cy="4226220"/>
+          </a:xfrm>
+          <a:prstGeom prst="straightConnector1">
+            <a:avLst/>
+          </a:prstGeom>
+          <a:ln>
+            <a:headEnd type="triangle"/>
+            <a:tailEnd type="triangle"/>
+          </a:ln>
+        </p:spPr>
+        <p:style>
+          <a:lnRef idx="2">
+            <a:schemeClr val="accent1"/>
+          </a:lnRef>
+          <a:fillRef idx="0">
+            <a:schemeClr val="accent1"/>
+          </a:fillRef>
+          <a:effectRef idx="1">
+            <a:schemeClr val="accent1"/>
+          </a:effectRef>
+          <a:fontRef idx="minor">
+            <a:schemeClr val="tx1"/>
+          </a:fontRef>
+        </p:style>
+      </p:cxnSp>
+      <p:sp>
+        <p:nvSpPr>
+          <p:cNvPr id="29" name="CaixaDeTexto 28">
+            <a:extLst>
+              <a:ext uri="{FF2B5EF4-FFF2-40B4-BE49-F238E27FC236}">
+                <a16:creationId xmlns:a16="http://schemas.microsoft.com/office/drawing/2014/main" id="{731057CF-EEF8-EA83-F442-73365A799371}"/>
+              </a:ext>
+            </a:extLst>
+          </p:cNvPr>
+          <p:cNvSpPr txBox="1"/>
+          <p:nvPr/>
+        </p:nvSpPr>
+        <p:spPr>
+          <a:xfrm>
+            <a:off x="3455437" y="3065109"/>
+            <a:ext cx="1063689" cy="461665"/>
+          </a:xfrm>
+          <a:prstGeom prst="rect">
+            <a:avLst/>
+          </a:prstGeom>
+          <a:noFill/>
+        </p:spPr>
+        <p:txBody>
+          <a:bodyPr wrap="square" rtlCol="0">
+            <a:spAutoFit/>
+          </a:bodyPr>
+          <a:lstStyle/>
+          <a:p>
+            <a:r>
+              <a:rPr lang="pt-BR" sz="1200" b="1" dirty="0">
+                <a:solidFill>
+                  <a:srgbClr val="002060"/>
+                </a:solidFill>
+              </a:rPr>
+              <a:t>Engenheiros de Dados</a:t>
+            </a:r>
+          </a:p>
+        </p:txBody>
+      </p:sp>
+      <p:pic>
+        <p:nvPicPr>
+          <p:cNvPr id="31" name="Imagem 30" descr="Ícone&#10;&#10;Descrição gerada automaticamente">
+            <a:extLst>
+              <a:ext uri="{FF2B5EF4-FFF2-40B4-BE49-F238E27FC236}">
+                <a16:creationId xmlns:a16="http://schemas.microsoft.com/office/drawing/2014/main" id="{F6D14E33-C586-7DAC-0300-D9B74D7A495F}"/>
+              </a:ext>
+            </a:extLst>
+          </p:cNvPr>
+          <p:cNvPicPr>
+            <a:picLocks noChangeAspect="1"/>
+          </p:cNvPicPr>
+          <p:nvPr/>
+        </p:nvPicPr>
+        <p:blipFill>
+          <a:blip r:embed="rId3">
+            <a:extLst>
+              <a:ext uri="{28A0092B-C50C-407E-A947-70E740481C1C}">
+                <a14:useLocalDpi xmlns:a14="http://schemas.microsoft.com/office/drawing/2010/main" val="0"/>
+              </a:ext>
+            </a:extLst>
+          </a:blip>
+          <a:stretch>
+            <a:fillRect/>
+          </a:stretch>
+        </p:blipFill>
+        <p:spPr>
+          <a:xfrm>
+            <a:off x="7648295" y="5728620"/>
+            <a:ext cx="674611" cy="674611"/>
+          </a:xfrm>
+          <a:prstGeom prst="rect">
+            <a:avLst/>
+          </a:prstGeom>
+        </p:spPr>
+      </p:pic>
+      <p:pic>
+        <p:nvPicPr>
+          <p:cNvPr id="33" name="Imagem 32" descr="Ícone&#10;&#10;Descrição gerada automaticamente">
+            <a:extLst>
+              <a:ext uri="{FF2B5EF4-FFF2-40B4-BE49-F238E27FC236}">
+                <a16:creationId xmlns:a16="http://schemas.microsoft.com/office/drawing/2014/main" id="{3A6FEB34-45BC-E66F-161E-4FEE3558C8F8}"/>
+              </a:ext>
+            </a:extLst>
+          </p:cNvPr>
+          <p:cNvPicPr>
+            <a:picLocks noChangeAspect="1"/>
+          </p:cNvPicPr>
+          <p:nvPr/>
+        </p:nvPicPr>
+        <p:blipFill>
+          <a:blip r:embed="rId4">
+            <a:extLst>
+              <a:ext uri="{28A0092B-C50C-407E-A947-70E740481C1C}">
+                <a14:useLocalDpi xmlns:a14="http://schemas.microsoft.com/office/drawing/2010/main" val="0"/>
+              </a:ext>
+            </a:extLst>
+          </a:blip>
+          <a:stretch>
+            <a:fillRect/>
+          </a:stretch>
+        </p:blipFill>
+        <p:spPr>
+          <a:xfrm>
+            <a:off x="8511197" y="5716126"/>
+            <a:ext cx="687105" cy="687105"/>
+          </a:xfrm>
+          <a:prstGeom prst="rect">
+            <a:avLst/>
+          </a:prstGeom>
+        </p:spPr>
+      </p:pic>
+      <p:sp>
+        <p:nvSpPr>
+          <p:cNvPr id="34" name="CaixaDeTexto 33">
+            <a:extLst>
+              <a:ext uri="{FF2B5EF4-FFF2-40B4-BE49-F238E27FC236}">
+                <a16:creationId xmlns:a16="http://schemas.microsoft.com/office/drawing/2014/main" id="{DAB329E5-AF79-0C72-1DFC-58E206E7A273}"/>
+              </a:ext>
+            </a:extLst>
+          </p:cNvPr>
+          <p:cNvSpPr txBox="1"/>
+          <p:nvPr/>
+        </p:nvSpPr>
+        <p:spPr>
+          <a:xfrm>
+            <a:off x="1007706" y="5738977"/>
+            <a:ext cx="1838130" cy="646331"/>
+          </a:xfrm>
+          <a:prstGeom prst="rect">
+            <a:avLst/>
+          </a:prstGeom>
+          <a:noFill/>
+        </p:spPr>
+        <p:txBody>
+          <a:bodyPr wrap="square" rtlCol="0">
+            <a:spAutoFit/>
+          </a:bodyPr>
+          <a:lstStyle/>
+          <a:p>
+            <a:r>
+              <a:rPr lang="pt-BR" sz="1200" b="1" dirty="0">
+                <a:solidFill>
+                  <a:srgbClr val="0070C0"/>
+                </a:solidFill>
+              </a:rPr>
+              <a:t>Dados não modificados de acordo com o estado de sua origem.</a:t>
+            </a:r>
+          </a:p>
+        </p:txBody>
+      </p:sp>
+      <p:sp>
+        <p:nvSpPr>
+          <p:cNvPr id="35" name="CaixaDeTexto 34">
+            <a:extLst>
+              <a:ext uri="{FF2B5EF4-FFF2-40B4-BE49-F238E27FC236}">
+                <a16:creationId xmlns:a16="http://schemas.microsoft.com/office/drawing/2014/main" id="{EACAE7D8-211B-25EF-3F11-0CB70D3C0FEC}"/>
+              </a:ext>
+            </a:extLst>
+          </p:cNvPr>
+          <p:cNvSpPr txBox="1"/>
+          <p:nvPr/>
+        </p:nvSpPr>
+        <p:spPr>
+          <a:xfrm>
+            <a:off x="1036331" y="4438912"/>
+            <a:ext cx="1838130" cy="1015663"/>
+          </a:xfrm>
+          <a:prstGeom prst="rect">
+            <a:avLst/>
+          </a:prstGeom>
+          <a:noFill/>
+        </p:spPr>
+        <p:txBody>
+          <a:bodyPr wrap="square" rtlCol="0">
+            <a:spAutoFit/>
+          </a:bodyPr>
+          <a:lstStyle/>
+          <a:p>
+            <a:r>
+              <a:rPr lang="pt-BR" sz="1200" b="1" dirty="0">
+                <a:solidFill>
+                  <a:srgbClr val="0070C0"/>
+                </a:solidFill>
+              </a:rPr>
+              <a:t>Camada opcional de acordo com o caso de uso. Dados de acesso restrito e alta governança.</a:t>
+            </a:r>
+          </a:p>
+        </p:txBody>
+      </p:sp>
+      <p:sp>
+        <p:nvSpPr>
+          <p:cNvPr id="36" name="CaixaDeTexto 35">
+            <a:extLst>
+              <a:ext uri="{FF2B5EF4-FFF2-40B4-BE49-F238E27FC236}">
+                <a16:creationId xmlns:a16="http://schemas.microsoft.com/office/drawing/2014/main" id="{34333A40-0832-E9E5-F5CE-B52C18A337E3}"/>
+              </a:ext>
+            </a:extLst>
+          </p:cNvPr>
+          <p:cNvSpPr txBox="1"/>
+          <p:nvPr/>
+        </p:nvSpPr>
+        <p:spPr>
+          <a:xfrm>
+            <a:off x="898072" y="3081899"/>
+            <a:ext cx="1838130" cy="1015663"/>
+          </a:xfrm>
+          <a:prstGeom prst="rect">
+            <a:avLst/>
+          </a:prstGeom>
+          <a:noFill/>
+        </p:spPr>
+        <p:txBody>
+          <a:bodyPr wrap="square" rtlCol="0">
+            <a:spAutoFit/>
+          </a:bodyPr>
+          <a:lstStyle/>
+          <a:p>
+            <a:r>
+              <a:rPr lang="pt-BR" sz="1200" b="1" dirty="0">
+                <a:solidFill>
+                  <a:srgbClr val="0070C0"/>
+                </a:solidFill>
+              </a:rPr>
+              <a:t>Limpeza de dados e padronizações de nomes e colunas e tabelas. Otimização para armazenamento.</a:t>
+            </a:r>
+          </a:p>
+        </p:txBody>
+      </p:sp>
+      <p:sp>
+        <p:nvSpPr>
+          <p:cNvPr id="37" name="CaixaDeTexto 36">
+            <a:extLst>
+              <a:ext uri="{FF2B5EF4-FFF2-40B4-BE49-F238E27FC236}">
+                <a16:creationId xmlns:a16="http://schemas.microsoft.com/office/drawing/2014/main" id="{5809E552-3F75-849E-51FF-B3D01A8859A9}"/>
+              </a:ext>
+            </a:extLst>
+          </p:cNvPr>
+          <p:cNvSpPr txBox="1"/>
+          <p:nvPr/>
+        </p:nvSpPr>
+        <p:spPr>
+          <a:xfrm>
+            <a:off x="1007706" y="1590735"/>
+            <a:ext cx="1838130" cy="1200329"/>
+          </a:xfrm>
+          <a:prstGeom prst="rect">
+            <a:avLst/>
+          </a:prstGeom>
+          <a:noFill/>
+        </p:spPr>
+        <p:txBody>
+          <a:bodyPr wrap="square" rtlCol="0">
+            <a:spAutoFit/>
+          </a:bodyPr>
+          <a:lstStyle/>
+          <a:p>
+            <a:r>
+              <a:rPr lang="pt-BR" sz="1200" b="1" dirty="0">
+                <a:solidFill>
+                  <a:srgbClr val="0070C0"/>
+                </a:solidFill>
+              </a:rPr>
+              <a:t>Dados transformados de acordo com regras negócio e lógica de otimização. Junções, agregações e modelagens.</a:t>
+            </a:r>
+          </a:p>
+        </p:txBody>
+      </p:sp>
+      <p:pic>
+        <p:nvPicPr>
+          <p:cNvPr id="39" name="Imagem 38">
+            <a:extLst>
+              <a:ext uri="{FF2B5EF4-FFF2-40B4-BE49-F238E27FC236}">
+                <a16:creationId xmlns:a16="http://schemas.microsoft.com/office/drawing/2014/main" id="{BCBB08D1-D8C9-1566-52E3-EEFAF1B29FE1}"/>
+              </a:ext>
+            </a:extLst>
+          </p:cNvPr>
+          <p:cNvPicPr>
+            <a:picLocks noChangeAspect="1"/>
+          </p:cNvPicPr>
+          <p:nvPr/>
+        </p:nvPicPr>
+        <p:blipFill>
+          <a:blip r:embed="rId5"/>
+          <a:stretch>
+            <a:fillRect/>
+          </a:stretch>
+        </p:blipFill>
+        <p:spPr>
+          <a:xfrm>
+            <a:off x="9289675" y="145886"/>
+            <a:ext cx="434378" cy="594412"/>
+          </a:xfrm>
+          <a:prstGeom prst="rect">
+            <a:avLst/>
+          </a:prstGeom>
+        </p:spPr>
+      </p:pic>
+    </p:spTree>
+    <p:extLst>
+      <p:ext uri="{BB962C8B-B14F-4D97-AF65-F5344CB8AC3E}">
+        <p14:creationId xmlns:p14="http://schemas.microsoft.com/office/powerpoint/2010/main" val="1158417959"/>
+      </p:ext>
+    </p:extLst>
+  </p:cSld>
+  <p:clrMapOvr>
+    <a:masterClrMapping/>
+  </p:clrMapOvr>
+</p:sld>
+</file>
+
+<file path=ppt/slides/slide4.xml><?xml version="1.0" encoding="utf-8"?>
+<p:sld xmlns:a="http://schemas.openxmlformats.org/drawingml/2006/main" xmlns:r="http://schemas.openxmlformats.org/officeDocument/2006/relationships" xmlns:p="http://schemas.openxmlformats.org/presentationml/2006/main">
+  <p:cSld>
+    <p:spTree>
+      <p:nvGrpSpPr>
+        <p:cNvPr id="1" name=""/>
+        <p:cNvGrpSpPr/>
+        <p:nvPr/>
+      </p:nvGrpSpPr>
+      <p:grpSpPr>
+        <a:xfrm>
+          <a:off x="0" y="0"/>
+          <a:ext cx="0" cy="0"/>
+          <a:chOff x="0" y="0"/>
+          <a:chExt cx="0" cy="0"/>
+        </a:xfrm>
+      </p:grpSpPr>
+      <p:sp>
+        <p:nvSpPr>
+          <p:cNvPr id="2" name="Título 1">
+            <a:extLst>
+              <a:ext uri="{FF2B5EF4-FFF2-40B4-BE49-F238E27FC236}">
+                <a16:creationId xmlns:a16="http://schemas.microsoft.com/office/drawing/2014/main" id="{98F9AF86-89F9-57C3-B13A-5B0D54AC77AB}"/>
+              </a:ext>
+            </a:extLst>
+          </p:cNvPr>
+          <p:cNvSpPr txBox="1">
+            <a:spLocks/>
+          </p:cNvSpPr>
+          <p:nvPr/>
+        </p:nvSpPr>
+        <p:spPr>
+          <a:xfrm>
+            <a:off x="269033" y="149071"/>
+            <a:ext cx="10515600" cy="887825"/>
+          </a:xfrm>
+          <a:prstGeom prst="rect">
+            <a:avLst/>
+          </a:prstGeom>
+        </p:spPr>
+        <p:txBody>
+          <a:bodyPr vert="horz" lIns="91440" tIns="45720" rIns="91440" bIns="45720" rtlCol="0" anchor="b">
+            <a:normAutofit/>
+          </a:bodyPr>
+          <a:lstStyle>
+            <a:lvl1pPr algn="ctr" defTabSz="914400" rtl="0" eaLnBrk="1" latinLnBrk="0" hangingPunct="1">
+              <a:lnSpc>
+                <a:spcPct val="90000"/>
+              </a:lnSpc>
+              <a:spcBef>
+                <a:spcPct val="0"/>
+              </a:spcBef>
+              <a:buNone/>
+              <a:defRPr sz="6000" kern="1200">
+                <a:solidFill>
+                  <a:schemeClr val="tx1"/>
+                </a:solidFill>
+                <a:latin typeface="+mj-lt"/>
+                <a:ea typeface="+mj-ea"/>
+                <a:cs typeface="+mj-cs"/>
+              </a:defRPr>
+            </a:lvl1pPr>
+          </a:lstStyle>
+          <a:p>
+            <a:pPr algn="l"/>
+            <a:r>
+              <a:rPr lang="pt-BR" sz="3600" dirty="0"/>
+              <a:t>Transformação de Dados</a:t>
+            </a:r>
+          </a:p>
+        </p:txBody>
+      </p:sp>
     </p:spTree>
     <p:extLst>
       <p:ext uri="{BB962C8B-B14F-4D97-AF65-F5344CB8AC3E}">
         <p14:creationId xmlns:p14="http://schemas.microsoft.com/office/powerpoint/2010/main" val="2122480706"/>
+      </p:ext>
+    </p:extLst>
+  </p:cSld>
+  <p:clrMapOvr>
+    <a:masterClrMapping/>
+  </p:clrMapOvr>
+</p:sld>
+</file>
+
+<file path=ppt/slides/slide5.xml><?xml version="1.0" encoding="utf-8"?>
+<p:sld xmlns:a="http://schemas.openxmlformats.org/drawingml/2006/main" xmlns:r="http://schemas.openxmlformats.org/officeDocument/2006/relationships" xmlns:p="http://schemas.openxmlformats.org/presentationml/2006/main">
+  <p:cSld>
+    <p:spTree>
+      <p:nvGrpSpPr>
+        <p:cNvPr id="1" name="">
+          <a:extLst>
+            <a:ext uri="{FF2B5EF4-FFF2-40B4-BE49-F238E27FC236}">
+              <a16:creationId xmlns:a16="http://schemas.microsoft.com/office/drawing/2014/main" id="{017712AE-D730-4272-AC73-DFD6D23C5FF6}"/>
+            </a:ext>
+          </a:extLst>
+        </p:cNvPr>
+        <p:cNvGrpSpPr/>
+        <p:nvPr/>
+      </p:nvGrpSpPr>
+      <p:grpSpPr>
+        <a:xfrm>
+          <a:off x="0" y="0"/>
+          <a:ext cx="0" cy="0"/>
+          <a:chOff x="0" y="0"/>
+          <a:chExt cx="0" cy="0"/>
+        </a:xfrm>
+      </p:grpSpPr>
+      <p:sp>
+        <p:nvSpPr>
+          <p:cNvPr id="2" name="Título 1">
+            <a:extLst>
+              <a:ext uri="{FF2B5EF4-FFF2-40B4-BE49-F238E27FC236}">
+                <a16:creationId xmlns:a16="http://schemas.microsoft.com/office/drawing/2014/main" id="{757104B3-20F8-BF6D-7CEE-B1B196160BB7}"/>
+              </a:ext>
+            </a:extLst>
+          </p:cNvPr>
+          <p:cNvSpPr txBox="1">
+            <a:spLocks/>
+          </p:cNvSpPr>
+          <p:nvPr/>
+        </p:nvSpPr>
+        <p:spPr>
+          <a:xfrm>
+            <a:off x="269033" y="149071"/>
+            <a:ext cx="10515600" cy="887825"/>
+          </a:xfrm>
+          <a:prstGeom prst="rect">
+            <a:avLst/>
+          </a:prstGeom>
+        </p:spPr>
+        <p:txBody>
+          <a:bodyPr vert="horz" lIns="91440" tIns="45720" rIns="91440" bIns="45720" rtlCol="0" anchor="b">
+            <a:normAutofit/>
+          </a:bodyPr>
+          <a:lstStyle>
+            <a:lvl1pPr algn="ctr" defTabSz="914400" rtl="0" eaLnBrk="1" latinLnBrk="0" hangingPunct="1">
+              <a:lnSpc>
+                <a:spcPct val="90000"/>
+              </a:lnSpc>
+              <a:spcBef>
+                <a:spcPct val="0"/>
+              </a:spcBef>
+              <a:buNone/>
+              <a:defRPr sz="6000" kern="1200">
+                <a:solidFill>
+                  <a:schemeClr val="tx1"/>
+                </a:solidFill>
+                <a:latin typeface="+mj-lt"/>
+                <a:ea typeface="+mj-ea"/>
+                <a:cs typeface="+mj-cs"/>
+              </a:defRPr>
+            </a:lvl1pPr>
+          </a:lstStyle>
+          <a:p>
+            <a:pPr algn="l"/>
+            <a:r>
+              <a:rPr lang="pt-BR" sz="3600" dirty="0"/>
+              <a:t>Soluções</a:t>
+            </a:r>
+          </a:p>
+        </p:txBody>
+      </p:sp>
+      <p:pic>
+        <p:nvPicPr>
+          <p:cNvPr id="4" name="Imagem 3">
+            <a:extLst>
+              <a:ext uri="{FF2B5EF4-FFF2-40B4-BE49-F238E27FC236}">
+                <a16:creationId xmlns:a16="http://schemas.microsoft.com/office/drawing/2014/main" id="{1E7A1A56-9A11-13F7-D511-D4F997BA076C}"/>
+              </a:ext>
+            </a:extLst>
+          </p:cNvPr>
+          <p:cNvPicPr>
+            <a:picLocks noChangeAspect="1"/>
+          </p:cNvPicPr>
+          <p:nvPr/>
+        </p:nvPicPr>
+        <p:blipFill>
+          <a:blip r:embed="rId2"/>
+          <a:stretch>
+            <a:fillRect/>
+          </a:stretch>
+        </p:blipFill>
+        <p:spPr>
+          <a:xfrm>
+            <a:off x="269033" y="1551506"/>
+            <a:ext cx="1078433" cy="887826"/>
+          </a:xfrm>
+          <a:prstGeom prst="rect">
+            <a:avLst/>
+          </a:prstGeom>
+        </p:spPr>
+      </p:pic>
+      <p:sp>
+        <p:nvSpPr>
+          <p:cNvPr id="5" name="CaixaDeTexto 4">
+            <a:extLst>
+              <a:ext uri="{FF2B5EF4-FFF2-40B4-BE49-F238E27FC236}">
+                <a16:creationId xmlns:a16="http://schemas.microsoft.com/office/drawing/2014/main" id="{9249E8C9-2E97-C819-C222-A59A3AAF336D}"/>
+              </a:ext>
+            </a:extLst>
+          </p:cNvPr>
+          <p:cNvSpPr txBox="1"/>
+          <p:nvPr/>
+        </p:nvSpPr>
+        <p:spPr>
+          <a:xfrm>
+            <a:off x="1347466" y="1800808"/>
+            <a:ext cx="3107094" cy="369332"/>
+          </a:xfrm>
+          <a:prstGeom prst="rect">
+            <a:avLst/>
+          </a:prstGeom>
+          <a:noFill/>
+        </p:spPr>
+        <p:txBody>
+          <a:bodyPr wrap="square" rtlCol="0">
+            <a:spAutoFit/>
+          </a:bodyPr>
+          <a:lstStyle/>
+          <a:p>
+            <a:r>
+              <a:rPr lang="pt-BR" b="1" dirty="0">
+                <a:solidFill>
+                  <a:srgbClr val="0070C0"/>
+                </a:solidFill>
+              </a:rPr>
+              <a:t>Google Cloud Platform</a:t>
+            </a:r>
+          </a:p>
+        </p:txBody>
+      </p:sp>
+      <p:pic>
+        <p:nvPicPr>
+          <p:cNvPr id="7" name="Imagem 6">
+            <a:extLst>
+              <a:ext uri="{FF2B5EF4-FFF2-40B4-BE49-F238E27FC236}">
+                <a16:creationId xmlns:a16="http://schemas.microsoft.com/office/drawing/2014/main" id="{79FB8D08-AD11-7F4D-598F-683E624F02EF}"/>
+              </a:ext>
+            </a:extLst>
+          </p:cNvPr>
+          <p:cNvPicPr>
+            <a:picLocks noChangeAspect="1"/>
+          </p:cNvPicPr>
+          <p:nvPr/>
+        </p:nvPicPr>
+        <p:blipFill>
+          <a:blip r:embed="rId3"/>
+          <a:stretch>
+            <a:fillRect/>
+          </a:stretch>
+        </p:blipFill>
+        <p:spPr>
+          <a:xfrm>
+            <a:off x="222349" y="5902415"/>
+            <a:ext cx="1171799" cy="381881"/>
+          </a:xfrm>
+          <a:prstGeom prst="rect">
+            <a:avLst/>
+          </a:prstGeom>
+        </p:spPr>
+      </p:pic>
+      <p:pic>
+        <p:nvPicPr>
+          <p:cNvPr id="9" name="Imagem 8">
+            <a:extLst>
+              <a:ext uri="{FF2B5EF4-FFF2-40B4-BE49-F238E27FC236}">
+                <a16:creationId xmlns:a16="http://schemas.microsoft.com/office/drawing/2014/main" id="{DD9FA670-52C8-9509-195A-994C090F1F71}"/>
+              </a:ext>
+            </a:extLst>
+          </p:cNvPr>
+          <p:cNvPicPr>
+            <a:picLocks noChangeAspect="1"/>
+          </p:cNvPicPr>
+          <p:nvPr/>
+        </p:nvPicPr>
+        <p:blipFill>
+          <a:blip r:embed="rId4"/>
+          <a:stretch>
+            <a:fillRect/>
+          </a:stretch>
+        </p:blipFill>
+        <p:spPr>
+          <a:xfrm>
+            <a:off x="0" y="4417426"/>
+            <a:ext cx="631251" cy="863817"/>
+          </a:xfrm>
+          <a:prstGeom prst="rect">
+            <a:avLst/>
+          </a:prstGeom>
+        </p:spPr>
+      </p:pic>
+      <p:pic>
+        <p:nvPicPr>
+          <p:cNvPr id="1026" name="Picture 2">
+            <a:extLst>
+              <a:ext uri="{FF2B5EF4-FFF2-40B4-BE49-F238E27FC236}">
+                <a16:creationId xmlns:a16="http://schemas.microsoft.com/office/drawing/2014/main" id="{D8AF5779-D1E1-D641-A32F-F45CD49B027B}"/>
+              </a:ext>
+            </a:extLst>
+          </p:cNvPr>
+          <p:cNvPicPr>
+            <a:picLocks noChangeAspect="1" noChangeArrowheads="1"/>
+          </p:cNvPicPr>
+          <p:nvPr/>
+        </p:nvPicPr>
+        <p:blipFill>
+          <a:blip r:embed="rId5">
+            <a:extLst>
+              <a:ext uri="{28A0092B-C50C-407E-A947-70E740481C1C}">
+                <a14:useLocalDpi xmlns:a14="http://schemas.microsoft.com/office/drawing/2010/main" val="0"/>
+              </a:ext>
+            </a:extLst>
+          </a:blip>
+          <a:srcRect/>
+          <a:stretch>
+            <a:fillRect/>
+          </a:stretch>
+        </p:blipFill>
+        <p:spPr bwMode="auto">
+          <a:xfrm>
+            <a:off x="797767" y="4449245"/>
+            <a:ext cx="857249" cy="857249"/>
+          </a:xfrm>
+          <a:prstGeom prst="rect">
+            <a:avLst/>
+          </a:prstGeom>
+          <a:noFill/>
+          <a:extLst>
+            <a:ext uri="{909E8E84-426E-40DD-AFC4-6F175D3DCCD1}">
+              <a14:hiddenFill xmlns:a14="http://schemas.microsoft.com/office/drawing/2010/main">
+                <a:solidFill>
+                  <a:srgbClr val="FFFFFF"/>
+                </a:solidFill>
+              </a14:hiddenFill>
+            </a:ext>
+          </a:extLst>
+        </p:spPr>
+      </p:pic>
+      <p:sp>
+        <p:nvSpPr>
+          <p:cNvPr id="10" name="CaixaDeTexto 9">
+            <a:extLst>
+              <a:ext uri="{FF2B5EF4-FFF2-40B4-BE49-F238E27FC236}">
+                <a16:creationId xmlns:a16="http://schemas.microsoft.com/office/drawing/2014/main" id="{513F081A-862A-97A3-D094-8FA46683C000}"/>
+              </a:ext>
+            </a:extLst>
+          </p:cNvPr>
+          <p:cNvSpPr txBox="1"/>
+          <p:nvPr/>
+        </p:nvSpPr>
+        <p:spPr>
+          <a:xfrm>
+            <a:off x="1821532" y="4693203"/>
+            <a:ext cx="3107094" cy="369332"/>
+          </a:xfrm>
+          <a:prstGeom prst="rect">
+            <a:avLst/>
+          </a:prstGeom>
+          <a:noFill/>
+        </p:spPr>
+        <p:txBody>
+          <a:bodyPr wrap="square" rtlCol="0">
+            <a:spAutoFit/>
+          </a:bodyPr>
+          <a:lstStyle/>
+          <a:p>
+            <a:r>
+              <a:rPr lang="pt-BR" b="1" dirty="0" err="1">
+                <a:solidFill>
+                  <a:srgbClr val="0070C0"/>
+                </a:solidFill>
+              </a:rPr>
+              <a:t>Looker</a:t>
+            </a:r>
+            <a:r>
+              <a:rPr lang="pt-BR" b="1" dirty="0">
+                <a:solidFill>
+                  <a:srgbClr val="0070C0"/>
+                </a:solidFill>
+              </a:rPr>
+              <a:t> e Power BI</a:t>
+            </a:r>
+          </a:p>
+        </p:txBody>
+      </p:sp>
+    </p:spTree>
+    <p:extLst>
+      <p:ext uri="{BB962C8B-B14F-4D97-AF65-F5344CB8AC3E}">
+        <p14:creationId xmlns:p14="http://schemas.microsoft.com/office/powerpoint/2010/main" val="1380661110"/>
+      </p:ext>
+    </p:extLst>
+  </p:cSld>
+  <p:clrMapOvr>
+    <a:masterClrMapping/>
+  </p:clrMapOvr>
+</p:sld>
+</file>
+
+<file path=ppt/slides/slide6.xml><?xml version="1.0" encoding="utf-8"?>
+<p:sld xmlns:a="http://schemas.openxmlformats.org/drawingml/2006/main" xmlns:r="http://schemas.openxmlformats.org/officeDocument/2006/relationships" xmlns:p="http://schemas.openxmlformats.org/presentationml/2006/main">
+  <p:cSld>
+    <p:spTree>
+      <p:nvGrpSpPr>
+        <p:cNvPr id="1" name="">
+          <a:extLst>
+            <a:ext uri="{FF2B5EF4-FFF2-40B4-BE49-F238E27FC236}">
+              <a16:creationId xmlns:a16="http://schemas.microsoft.com/office/drawing/2014/main" id="{BA22118C-A0C6-4DFD-32A1-AF10AE300E9C}"/>
+            </a:ext>
+          </a:extLst>
+        </p:cNvPr>
+        <p:cNvGrpSpPr/>
+        <p:nvPr/>
+      </p:nvGrpSpPr>
+      <p:grpSpPr>
+        <a:xfrm>
+          <a:off x="0" y="0"/>
+          <a:ext cx="0" cy="0"/>
+          <a:chOff x="0" y="0"/>
+          <a:chExt cx="0" cy="0"/>
+        </a:xfrm>
+      </p:grpSpPr>
+      <p:sp>
+        <p:nvSpPr>
+          <p:cNvPr id="2" name="Título 1">
+            <a:extLst>
+              <a:ext uri="{FF2B5EF4-FFF2-40B4-BE49-F238E27FC236}">
+                <a16:creationId xmlns:a16="http://schemas.microsoft.com/office/drawing/2014/main" id="{168E57DD-34C5-1FDB-E8EF-0C314A1C0A9E}"/>
+              </a:ext>
+            </a:extLst>
+          </p:cNvPr>
+          <p:cNvSpPr txBox="1">
+            <a:spLocks/>
+          </p:cNvSpPr>
+          <p:nvPr/>
+        </p:nvSpPr>
+        <p:spPr>
+          <a:xfrm>
+            <a:off x="269033" y="149071"/>
+            <a:ext cx="10515600" cy="1754374"/>
+          </a:xfrm>
+          <a:prstGeom prst="rect">
+            <a:avLst/>
+          </a:prstGeom>
+        </p:spPr>
+        <p:txBody>
+          <a:bodyPr vert="horz" lIns="91440" tIns="45720" rIns="91440" bIns="45720" rtlCol="0" anchor="b">
+            <a:normAutofit fontScale="92500" lnSpcReduction="10000"/>
+          </a:bodyPr>
+          <a:lstStyle>
+            <a:lvl1pPr algn="ctr" defTabSz="914400" rtl="0" eaLnBrk="1" latinLnBrk="0" hangingPunct="1">
+              <a:lnSpc>
+                <a:spcPct val="90000"/>
+              </a:lnSpc>
+              <a:spcBef>
+                <a:spcPct val="0"/>
+              </a:spcBef>
+              <a:buNone/>
+              <a:defRPr sz="6000" kern="1200">
+                <a:solidFill>
+                  <a:schemeClr val="tx1"/>
+                </a:solidFill>
+                <a:latin typeface="+mj-lt"/>
+                <a:ea typeface="+mj-ea"/>
+                <a:cs typeface="+mj-cs"/>
+              </a:defRPr>
+            </a:lvl1pPr>
+          </a:lstStyle>
+          <a:p>
+            <a:pPr algn="l"/>
+            <a:r>
+              <a:rPr lang="pt-BR" sz="3600" dirty="0"/>
+              <a:t>Referências</a:t>
+            </a:r>
+          </a:p>
+          <a:p>
+            <a:pPr algn="l"/>
+            <a:endParaRPr lang="pt-BR" sz="3600" dirty="0"/>
+          </a:p>
+          <a:p>
+            <a:pPr marL="571500" indent="-571500" algn="l">
+              <a:buFont typeface="Wingdings" panose="05000000000000000000" pitchFamily="2" charset="2"/>
+              <a:buChar char="v"/>
+            </a:pPr>
+            <a:r>
+              <a:rPr lang="pt-BR" sz="3600" dirty="0"/>
+              <a:t>The Enterprise Big Data Lake; Alex </a:t>
+            </a:r>
+            <a:r>
+              <a:rPr lang="pt-BR" sz="3600" dirty="0" err="1"/>
+              <a:t>Gorelik</a:t>
+            </a:r>
+            <a:endParaRPr lang="pt-BR" sz="3600" dirty="0"/>
+          </a:p>
+          <a:p>
+            <a:pPr marL="571500" indent="-571500" algn="l">
+              <a:buFont typeface="Wingdings" panose="05000000000000000000" pitchFamily="2" charset="2"/>
+              <a:buChar char="v"/>
+            </a:pPr>
+            <a:r>
+              <a:rPr lang="pt-BR" sz="3600" dirty="0"/>
+              <a:t>https://www.youtube.com/@DataLakers</a:t>
+            </a:r>
+          </a:p>
+        </p:txBody>
+      </p:sp>
+    </p:spTree>
+    <p:extLst>
+      <p:ext uri="{BB962C8B-B14F-4D97-AF65-F5344CB8AC3E}">
+        <p14:creationId xmlns:p14="http://schemas.microsoft.com/office/powerpoint/2010/main" val="2352182744"/>
       </p:ext>
     </p:extLst>
   </p:cSld>
